--- a/Presentaciones PP/002-Hola Mundo - Parte 2.pptx
+++ b/Presentaciones PP/002-Hola Mundo - Parte 2.pptx
@@ -272,12 +272,7 @@
   <p:extLst>
     <p:ext uri="{EFAFB233-063F-42B5-8137-9DF3F51BA10A}">
       <p15:sldGuideLst>
-        <p15:guide id="1" orient="horz" pos="1620">
-          <p15:clr>
-            <a:srgbClr val="747775"/>
-          </p15:clr>
-        </p15:guide>
-        <p15:guide id="2" pos="2880">
+        <p15:guide id="1" orient="horz" pos="510">
           <p15:clr>
             <a:srgbClr val="747775"/>
           </p15:clr>
@@ -818,7 +813,7 @@
   <p:cSld>
     <p:spTree>
       <p:nvGrpSpPr>
-        <p:cNvPr id="108" name="Shape 108"/>
+        <p:cNvPr id="112" name="Shape 112"/>
         <p:cNvGrpSpPr/>
         <p:nvPr/>
       </p:nvGrpSpPr>
@@ -832,7 +827,7 @@
       </p:grpSpPr>
       <p:sp>
         <p:nvSpPr>
-          <p:cNvPr id="109" name="Google Shape;109;g2d55cf651d2_0_5:notes"/>
+          <p:cNvPr id="113" name="Google Shape;113;g2d55cf651d2_0_5:notes"/>
           <p:cNvSpPr/>
           <p:nvPr>
             <p:ph idx="2" type="sldImg"/>
@@ -867,7 +862,7 @@
       </p:sp>
       <p:sp>
         <p:nvSpPr>
-          <p:cNvPr id="110" name="Google Shape;110;g2d55cf651d2_0_5:notes"/>
+          <p:cNvPr id="114" name="Google Shape;114;g2d55cf651d2_0_5:notes"/>
           <p:cNvSpPr txBox="1"/>
           <p:nvPr>
             <p:ph idx="1" type="body"/>
@@ -917,7 +912,7 @@
   <p:cSld>
     <p:spTree>
       <p:nvGrpSpPr>
-        <p:cNvPr id="114" name="Shape 114"/>
+        <p:cNvPr id="118" name="Shape 118"/>
         <p:cNvGrpSpPr/>
         <p:nvPr/>
       </p:nvGrpSpPr>
@@ -931,7 +926,7 @@
       </p:grpSpPr>
       <p:sp>
         <p:nvSpPr>
-          <p:cNvPr id="115" name="Google Shape;115;g2d53937ffc5_0_61:notes"/>
+          <p:cNvPr id="119" name="Google Shape;119;g2d53937ffc5_0_61:notes"/>
           <p:cNvSpPr/>
           <p:nvPr>
             <p:ph idx="2" type="sldImg"/>
@@ -966,7 +961,7 @@
       </p:sp>
       <p:sp>
         <p:nvSpPr>
-          <p:cNvPr id="116" name="Google Shape;116;g2d53937ffc5_0_61:notes"/>
+          <p:cNvPr id="120" name="Google Shape;120;g2d53937ffc5_0_61:notes"/>
           <p:cNvSpPr txBox="1"/>
           <p:nvPr>
             <p:ph idx="1" type="body"/>
@@ -1016,7 +1011,7 @@
   <p:cSld>
     <p:spTree>
       <p:nvGrpSpPr>
-        <p:cNvPr id="119" name="Shape 119"/>
+        <p:cNvPr id="123" name="Shape 123"/>
         <p:cNvGrpSpPr/>
         <p:nvPr/>
       </p:nvGrpSpPr>
@@ -1030,7 +1025,7 @@
       </p:grpSpPr>
       <p:sp>
         <p:nvSpPr>
-          <p:cNvPr id="120" name="Google Shape;120;g2d53937ffc5_0_11:notes"/>
+          <p:cNvPr id="124" name="Google Shape;124;g2d53937ffc5_0_11:notes"/>
           <p:cNvSpPr/>
           <p:nvPr>
             <p:ph idx="2" type="sldImg"/>
@@ -1065,7 +1060,7 @@
       </p:sp>
       <p:sp>
         <p:nvSpPr>
-          <p:cNvPr id="121" name="Google Shape;121;g2d53937ffc5_0_11:notes"/>
+          <p:cNvPr id="125" name="Google Shape;125;g2d53937ffc5_0_11:notes"/>
           <p:cNvSpPr txBox="1"/>
           <p:nvPr>
             <p:ph idx="1" type="body"/>
@@ -1115,7 +1110,7 @@
   <p:cSld>
     <p:spTree>
       <p:nvGrpSpPr>
-        <p:cNvPr id="126" name="Shape 126"/>
+        <p:cNvPr id="130" name="Shape 130"/>
         <p:cNvGrpSpPr/>
         <p:nvPr/>
       </p:nvGrpSpPr>
@@ -1129,7 +1124,7 @@
       </p:grpSpPr>
       <p:sp>
         <p:nvSpPr>
-          <p:cNvPr id="127" name="Google Shape;127;g2d5a2f681b5_0_8:notes"/>
+          <p:cNvPr id="131" name="Google Shape;131;g2d5a2f681b5_0_8:notes"/>
           <p:cNvSpPr/>
           <p:nvPr>
             <p:ph idx="2" type="sldImg"/>
@@ -1164,7 +1159,7 @@
       </p:sp>
       <p:sp>
         <p:nvSpPr>
-          <p:cNvPr id="128" name="Google Shape;128;g2d5a2f681b5_0_8:notes"/>
+          <p:cNvPr id="132" name="Google Shape;132;g2d5a2f681b5_0_8:notes"/>
           <p:cNvSpPr txBox="1"/>
           <p:nvPr>
             <p:ph idx="1" type="body"/>
@@ -1214,7 +1209,7 @@
   <p:cSld>
     <p:spTree>
       <p:nvGrpSpPr>
-        <p:cNvPr id="133" name="Shape 133"/>
+        <p:cNvPr id="137" name="Shape 137"/>
         <p:cNvGrpSpPr/>
         <p:nvPr/>
       </p:nvGrpSpPr>
@@ -1228,7 +1223,7 @@
       </p:grpSpPr>
       <p:sp>
         <p:nvSpPr>
-          <p:cNvPr id="134" name="Google Shape;134;g2d5a2f681b5_0_0:notes"/>
+          <p:cNvPr id="138" name="Google Shape;138;g2d5a2f681b5_0_0:notes"/>
           <p:cNvSpPr/>
           <p:nvPr>
             <p:ph idx="2" type="sldImg"/>
@@ -1263,7 +1258,7 @@
       </p:sp>
       <p:sp>
         <p:nvSpPr>
-          <p:cNvPr id="135" name="Google Shape;135;g2d5a2f681b5_0_0:notes"/>
+          <p:cNvPr id="139" name="Google Shape;139;g2d5a2f681b5_0_0:notes"/>
           <p:cNvSpPr txBox="1"/>
           <p:nvPr>
             <p:ph idx="1" type="body"/>
@@ -1313,7 +1308,7 @@
   <p:cSld>
     <p:spTree>
       <p:nvGrpSpPr>
-        <p:cNvPr id="140" name="Shape 140"/>
+        <p:cNvPr id="144" name="Shape 144"/>
         <p:cNvGrpSpPr/>
         <p:nvPr/>
       </p:nvGrpSpPr>
@@ -1327,7 +1322,7 @@
       </p:grpSpPr>
       <p:sp>
         <p:nvSpPr>
-          <p:cNvPr id="141" name="Google Shape;141;g2d53937ffc5_0_17:notes"/>
+          <p:cNvPr id="145" name="Google Shape;145;g2d53937ffc5_0_17:notes"/>
           <p:cNvSpPr/>
           <p:nvPr>
             <p:ph idx="2" type="sldImg"/>
@@ -1362,7 +1357,7 @@
       </p:sp>
       <p:sp>
         <p:nvSpPr>
-          <p:cNvPr id="142" name="Google Shape;142;g2d53937ffc5_0_17:notes"/>
+          <p:cNvPr id="146" name="Google Shape;146;g2d53937ffc5_0_17:notes"/>
           <p:cNvSpPr txBox="1"/>
           <p:nvPr>
             <p:ph idx="1" type="body"/>
@@ -1412,7 +1407,7 @@
   <p:cSld>
     <p:spTree>
       <p:nvGrpSpPr>
-        <p:cNvPr id="147" name="Shape 147"/>
+        <p:cNvPr id="151" name="Shape 151"/>
         <p:cNvGrpSpPr/>
         <p:nvPr/>
       </p:nvGrpSpPr>
@@ -1426,7 +1421,7 @@
       </p:grpSpPr>
       <p:sp>
         <p:nvSpPr>
-          <p:cNvPr id="148" name="Google Shape;148;g2d53937ffc5_0_22:notes"/>
+          <p:cNvPr id="152" name="Google Shape;152;g2d53937ffc5_0_22:notes"/>
           <p:cNvSpPr/>
           <p:nvPr>
             <p:ph idx="2" type="sldImg"/>
@@ -1461,7 +1456,7 @@
       </p:sp>
       <p:sp>
         <p:nvSpPr>
-          <p:cNvPr id="149" name="Google Shape;149;g2d53937ffc5_0_22:notes"/>
+          <p:cNvPr id="153" name="Google Shape;153;g2d53937ffc5_0_22:notes"/>
           <p:cNvSpPr txBox="1"/>
           <p:nvPr>
             <p:ph idx="1" type="body"/>
@@ -1511,7 +1506,7 @@
   <p:cSld>
     <p:spTree>
       <p:nvGrpSpPr>
-        <p:cNvPr id="154" name="Shape 154"/>
+        <p:cNvPr id="158" name="Shape 158"/>
         <p:cNvGrpSpPr/>
         <p:nvPr/>
       </p:nvGrpSpPr>
@@ -1525,7 +1520,7 @@
       </p:grpSpPr>
       <p:sp>
         <p:nvSpPr>
-          <p:cNvPr id="155" name="Google Shape;155;g2d53937ffc5_0_45:notes"/>
+          <p:cNvPr id="159" name="Google Shape;159;g2d53937ffc5_0_45:notes"/>
           <p:cNvSpPr/>
           <p:nvPr>
             <p:ph idx="2" type="sldImg"/>
@@ -1560,7 +1555,7 @@
       </p:sp>
       <p:sp>
         <p:nvSpPr>
-          <p:cNvPr id="156" name="Google Shape;156;g2d53937ffc5_0_45:notes"/>
+          <p:cNvPr id="160" name="Google Shape;160;g2d53937ffc5_0_45:notes"/>
           <p:cNvSpPr txBox="1"/>
           <p:nvPr>
             <p:ph idx="1" type="body"/>
@@ -1610,7 +1605,7 @@
   <p:cSld>
     <p:spTree>
       <p:nvGrpSpPr>
-        <p:cNvPr id="164" name="Shape 164"/>
+        <p:cNvPr id="168" name="Shape 168"/>
         <p:cNvGrpSpPr/>
         <p:nvPr/>
       </p:nvGrpSpPr>
@@ -1624,7 +1619,7 @@
       </p:grpSpPr>
       <p:sp>
         <p:nvSpPr>
-          <p:cNvPr id="165" name="Google Shape;165;g31458b030ee_0_8:notes"/>
+          <p:cNvPr id="169" name="Google Shape;169;g31458b030ee_0_8:notes"/>
           <p:cNvSpPr/>
           <p:nvPr>
             <p:ph idx="2" type="sldImg"/>
@@ -1659,7 +1654,7 @@
       </p:sp>
       <p:sp>
         <p:nvSpPr>
-          <p:cNvPr id="166" name="Google Shape;166;g31458b030ee_0_8:notes"/>
+          <p:cNvPr id="170" name="Google Shape;170;g31458b030ee_0_8:notes"/>
           <p:cNvSpPr txBox="1"/>
           <p:nvPr>
             <p:ph idx="1" type="body"/>
@@ -1709,7 +1704,7 @@
   <p:cSld>
     <p:spTree>
       <p:nvGrpSpPr>
-        <p:cNvPr id="169" name="Shape 169"/>
+        <p:cNvPr id="173" name="Shape 173"/>
         <p:cNvGrpSpPr/>
         <p:nvPr/>
       </p:nvGrpSpPr>
@@ -1723,7 +1718,7 @@
       </p:grpSpPr>
       <p:sp>
         <p:nvSpPr>
-          <p:cNvPr id="170" name="Google Shape;170;g31458b030ee_0_21:notes"/>
+          <p:cNvPr id="174" name="Google Shape;174;g31458b030ee_0_21:notes"/>
           <p:cNvSpPr/>
           <p:nvPr>
             <p:ph idx="2" type="sldImg"/>
@@ -1758,7 +1753,7 @@
       </p:sp>
       <p:sp>
         <p:nvSpPr>
-          <p:cNvPr id="171" name="Google Shape;171;g31458b030ee_0_21:notes"/>
+          <p:cNvPr id="175" name="Google Shape;175;g31458b030ee_0_21:notes"/>
           <p:cNvSpPr txBox="1"/>
           <p:nvPr>
             <p:ph idx="1" type="body"/>
@@ -1907,7 +1902,7 @@
   <p:cSld>
     <p:spTree>
       <p:nvGrpSpPr>
-        <p:cNvPr id="176" name="Shape 176"/>
+        <p:cNvPr id="180" name="Shape 180"/>
         <p:cNvGrpSpPr/>
         <p:nvPr/>
       </p:nvGrpSpPr>
@@ -1921,7 +1916,7 @@
       </p:grpSpPr>
       <p:sp>
         <p:nvSpPr>
-          <p:cNvPr id="177" name="Google Shape;177;g31458b030ee_0_28:notes"/>
+          <p:cNvPr id="181" name="Google Shape;181;g31458b030ee_0_28:notes"/>
           <p:cNvSpPr/>
           <p:nvPr>
             <p:ph idx="2" type="sldImg"/>
@@ -1956,7 +1951,7 @@
       </p:sp>
       <p:sp>
         <p:nvSpPr>
-          <p:cNvPr id="178" name="Google Shape;178;g31458b030ee_0_28:notes"/>
+          <p:cNvPr id="182" name="Google Shape;182;g31458b030ee_0_28:notes"/>
           <p:cNvSpPr txBox="1"/>
           <p:nvPr>
             <p:ph idx="1" type="body"/>
@@ -2204,7 +2199,7 @@
   <p:cSld>
     <p:spTree>
       <p:nvGrpSpPr>
-        <p:cNvPr id="78" name="Shape 78"/>
+        <p:cNvPr id="80" name="Shape 80"/>
         <p:cNvGrpSpPr/>
         <p:nvPr/>
       </p:nvGrpSpPr>
@@ -2218,7 +2213,7 @@
       </p:grpSpPr>
       <p:sp>
         <p:nvSpPr>
-          <p:cNvPr id="79" name="Google Shape;79;g31458b030ee_0_0:notes"/>
+          <p:cNvPr id="81" name="Google Shape;81;g31458b030ee_0_0:notes"/>
           <p:cNvSpPr/>
           <p:nvPr>
             <p:ph idx="2" type="sldImg"/>
@@ -2253,7 +2248,7 @@
       </p:sp>
       <p:sp>
         <p:nvSpPr>
-          <p:cNvPr id="80" name="Google Shape;80;g31458b030ee_0_0:notes"/>
+          <p:cNvPr id="82" name="Google Shape;82;g31458b030ee_0_0:notes"/>
           <p:cNvSpPr txBox="1"/>
           <p:nvPr>
             <p:ph idx="1" type="body"/>
@@ -2303,7 +2298,7 @@
   <p:cSld>
     <p:spTree>
       <p:nvGrpSpPr>
-        <p:cNvPr id="84" name="Shape 84"/>
+        <p:cNvPr id="88" name="Shape 88"/>
         <p:cNvGrpSpPr/>
         <p:nvPr/>
       </p:nvGrpSpPr>
@@ -2317,7 +2312,7 @@
       </p:grpSpPr>
       <p:sp>
         <p:nvSpPr>
-          <p:cNvPr id="85" name="Google Shape;85;g2d53937ffc5_0_56:notes"/>
+          <p:cNvPr id="89" name="Google Shape;89;g2d53937ffc5_0_56:notes"/>
           <p:cNvSpPr/>
           <p:nvPr>
             <p:ph idx="2" type="sldImg"/>
@@ -2352,7 +2347,7 @@
       </p:sp>
       <p:sp>
         <p:nvSpPr>
-          <p:cNvPr id="86" name="Google Shape;86;g2d53937ffc5_0_56:notes"/>
+          <p:cNvPr id="90" name="Google Shape;90;g2d53937ffc5_0_56:notes"/>
           <p:cNvSpPr txBox="1"/>
           <p:nvPr>
             <p:ph idx="1" type="body"/>
@@ -2402,7 +2397,7 @@
   <p:cSld>
     <p:spTree>
       <p:nvGrpSpPr>
-        <p:cNvPr id="90" name="Shape 90"/>
+        <p:cNvPr id="94" name="Shape 94"/>
         <p:cNvGrpSpPr/>
         <p:nvPr/>
       </p:nvGrpSpPr>
@@ -2416,7 +2411,7 @@
       </p:grpSpPr>
       <p:sp>
         <p:nvSpPr>
-          <p:cNvPr id="91" name="Google Shape;91;g2d53937ffc5_0_37:notes"/>
+          <p:cNvPr id="95" name="Google Shape;95;g2d53937ffc5_0_37:notes"/>
           <p:cNvSpPr/>
           <p:nvPr>
             <p:ph idx="2" type="sldImg"/>
@@ -2451,7 +2446,7 @@
       </p:sp>
       <p:sp>
         <p:nvSpPr>
-          <p:cNvPr id="92" name="Google Shape;92;g2d53937ffc5_0_37:notes"/>
+          <p:cNvPr id="96" name="Google Shape;96;g2d53937ffc5_0_37:notes"/>
           <p:cNvSpPr txBox="1"/>
           <p:nvPr>
             <p:ph idx="1" type="body"/>
@@ -2501,7 +2496,7 @@
   <p:cSld>
     <p:spTree>
       <p:nvGrpSpPr>
-        <p:cNvPr id="97" name="Shape 97"/>
+        <p:cNvPr id="101" name="Shape 101"/>
         <p:cNvGrpSpPr/>
         <p:nvPr/>
       </p:nvGrpSpPr>
@@ -2515,7 +2510,7 @@
       </p:grpSpPr>
       <p:sp>
         <p:nvSpPr>
-          <p:cNvPr id="98" name="Google Shape;98;g2d53937ffc5_0_65:notes"/>
+          <p:cNvPr id="102" name="Google Shape;102;g2d53937ffc5_0_65:notes"/>
           <p:cNvSpPr/>
           <p:nvPr>
             <p:ph idx="2" type="sldImg"/>
@@ -2550,7 +2545,7 @@
       </p:sp>
       <p:sp>
         <p:nvSpPr>
-          <p:cNvPr id="99" name="Google Shape;99;g2d53937ffc5_0_65:notes"/>
+          <p:cNvPr id="103" name="Google Shape;103;g2d53937ffc5_0_65:notes"/>
           <p:cNvSpPr txBox="1"/>
           <p:nvPr>
             <p:ph idx="1" type="body"/>
@@ -2600,7 +2595,7 @@
   <p:cSld>
     <p:spTree>
       <p:nvGrpSpPr>
-        <p:cNvPr id="102" name="Shape 102"/>
+        <p:cNvPr id="106" name="Shape 106"/>
         <p:cNvGrpSpPr/>
         <p:nvPr/>
       </p:nvGrpSpPr>
@@ -2614,7 +2609,7 @@
       </p:grpSpPr>
       <p:sp>
         <p:nvSpPr>
-          <p:cNvPr id="103" name="Google Shape;103;g2d55cf651d2_0_0:notes"/>
+          <p:cNvPr id="107" name="Google Shape;107;g2d55cf651d2_0_0:notes"/>
           <p:cNvSpPr/>
           <p:nvPr>
             <p:ph idx="2" type="sldImg"/>
@@ -2649,7 +2644,7 @@
       </p:sp>
       <p:sp>
         <p:nvSpPr>
-          <p:cNvPr id="104" name="Google Shape;104;g2d55cf651d2_0_0:notes"/>
+          <p:cNvPr id="108" name="Google Shape;108;g2d55cf651d2_0_0:notes"/>
           <p:cNvSpPr txBox="1"/>
           <p:nvPr>
             <p:ph idx="1" type="body"/>
@@ -8140,7 +8135,7 @@
   <p:cSld>
     <p:spTree>
       <p:nvGrpSpPr>
-        <p:cNvPr id="111" name="Shape 111"/>
+        <p:cNvPr id="115" name="Shape 115"/>
         <p:cNvGrpSpPr/>
         <p:nvPr/>
       </p:nvGrpSpPr>
@@ -8154,7 +8149,7 @@
       </p:grpSpPr>
       <p:sp>
         <p:nvSpPr>
-          <p:cNvPr id="112" name="Google Shape;112;p22"/>
+          <p:cNvPr id="116" name="Google Shape;116;p22"/>
           <p:cNvSpPr txBox="1"/>
           <p:nvPr>
             <p:ph type="title"/>
@@ -8194,7 +8189,7 @@
       </p:sp>
       <p:sp>
         <p:nvSpPr>
-          <p:cNvPr id="113" name="Google Shape;113;p22"/>
+          <p:cNvPr id="117" name="Google Shape;117;p22"/>
           <p:cNvSpPr txBox="1"/>
           <p:nvPr>
             <p:ph idx="1" type="body"/>
@@ -8232,38 +8227,38 @@
             <a:endParaRPr/>
           </a:p>
           <a:p>
-            <a:pPr indent="-330200" lvl="1" marL="914400" rtl="0" algn="l">
-              <a:spcBef>
-                <a:spcPts val="0"/>
-              </a:spcBef>
-              <a:spcAft>
-                <a:spcPts val="0"/>
-              </a:spcAft>
-              <a:buSzPts val="1600"/>
+            <a:pPr indent="-342900" lvl="1" marL="914400" rtl="0" algn="l">
+              <a:spcBef>
+                <a:spcPts val="0"/>
+              </a:spcBef>
+              <a:spcAft>
+                <a:spcPts val="0"/>
+              </a:spcAft>
+              <a:buSzPts val="1800"/>
               <a:buChar char="○"/>
             </a:pPr>
             <a:r>
-              <a:rPr lang="es-419"/>
+              <a:rPr lang="es-419" sz="1800"/>
               <a:t>Obtener las 3 cifras menos significativas de un número (sin usar Strings)</a:t>
             </a:r>
-            <a:endParaRPr/>
+            <a:endParaRPr sz="1800"/>
           </a:p>
           <a:p>
-            <a:pPr indent="-330200" lvl="1" marL="914400" rtl="0" algn="l">
-              <a:spcBef>
-                <a:spcPts val="0"/>
-              </a:spcBef>
-              <a:spcAft>
-                <a:spcPts val="0"/>
-              </a:spcAft>
-              <a:buSzPts val="1600"/>
+            <a:pPr indent="-342900" lvl="1" marL="914400" rtl="0" algn="l">
+              <a:spcBef>
+                <a:spcPts val="0"/>
+              </a:spcBef>
+              <a:spcAft>
+                <a:spcPts val="0"/>
+              </a:spcAft>
+              <a:buSzPts val="1800"/>
               <a:buChar char="○"/>
             </a:pPr>
             <a:r>
-              <a:rPr lang="es-419"/>
-              <a:t>Evaluar un polinomio de grado 4  conociendo los coeficientes.</a:t>
+              <a:rPr lang="es-419" sz="1800"/>
+              <a:t>Evaluar un polinomio de grado 2  conociendo los coeficientes.</a:t>
             </a:r>
-            <a:endParaRPr/>
+            <a:endParaRPr sz="1800"/>
           </a:p>
           <a:p>
             <a:pPr indent="-342900" lvl="0" marL="457200" rtl="0" algn="l">
@@ -8283,89 +8278,89 @@
             <a:endParaRPr/>
           </a:p>
           <a:p>
-            <a:pPr indent="-330200" lvl="1" marL="914400" rtl="0" algn="l">
-              <a:spcBef>
-                <a:spcPts val="0"/>
-              </a:spcBef>
-              <a:spcAft>
-                <a:spcPts val="0"/>
-              </a:spcAft>
-              <a:buSzPts val="1600"/>
+            <a:pPr indent="-342900" lvl="1" marL="914400" rtl="0" algn="l">
+              <a:spcBef>
+                <a:spcPts val="0"/>
+              </a:spcBef>
+              <a:spcAft>
+                <a:spcPts val="0"/>
+              </a:spcAft>
+              <a:buSzPts val="1800"/>
               <a:buChar char="○"/>
             </a:pPr>
             <a:r>
-              <a:rPr lang="es-419"/>
+              <a:rPr lang="es-419" sz="1800"/>
               <a:t>Ver si un número es múltiplo de 5 y múltiplo de 7 a la vez</a:t>
             </a:r>
-            <a:endParaRPr/>
+            <a:endParaRPr sz="1800"/>
           </a:p>
           <a:p>
-            <a:pPr indent="-330200" lvl="1" marL="914400" rtl="0" algn="l">
-              <a:spcBef>
-                <a:spcPts val="0"/>
-              </a:spcBef>
-              <a:spcAft>
-                <a:spcPts val="0"/>
-              </a:spcAft>
-              <a:buSzPts val="1600"/>
+            <a:pPr indent="-342900" lvl="1" marL="914400" rtl="0" algn="l">
+              <a:spcBef>
+                <a:spcPts val="0"/>
+              </a:spcBef>
+              <a:spcAft>
+                <a:spcPts val="0"/>
+              </a:spcAft>
+              <a:buSzPts val="1800"/>
               <a:buChar char="○"/>
             </a:pPr>
             <a:r>
-              <a:rPr lang="es-419"/>
+              <a:rPr lang="es-419" sz="1800"/>
               <a:t>Ver si un número es múltiplo de 6 pero no es múltiplo de 4</a:t>
             </a:r>
-            <a:endParaRPr/>
+            <a:endParaRPr sz="1800"/>
           </a:p>
           <a:p>
-            <a:pPr indent="-330200" lvl="1" marL="914400" rtl="0" algn="l">
-              <a:spcBef>
-                <a:spcPts val="0"/>
-              </a:spcBef>
-              <a:spcAft>
-                <a:spcPts val="0"/>
-              </a:spcAft>
-              <a:buSzPts val="1600"/>
+            <a:pPr indent="-342900" lvl="1" marL="914400" rtl="0" algn="l">
+              <a:spcBef>
+                <a:spcPts val="0"/>
+              </a:spcBef>
+              <a:spcAft>
+                <a:spcPts val="0"/>
+              </a:spcAft>
+              <a:buSzPts val="1800"/>
               <a:buChar char="○"/>
             </a:pPr>
             <a:r>
-              <a:rPr lang="es-419"/>
+              <a:rPr lang="es-419" sz="1800"/>
               <a:t>Hacer una tabla de verdad de a =&gt; b (a implica b) que se puede redefinir como NOT a OR b</a:t>
             </a:r>
-            <a:endParaRPr/>
+            <a:endParaRPr sz="1800"/>
           </a:p>
           <a:p>
-            <a:pPr indent="-330200" lvl="1" marL="914400" rtl="0" algn="l">
-              <a:spcBef>
-                <a:spcPts val="0"/>
-              </a:spcBef>
-              <a:spcAft>
-                <a:spcPts val="0"/>
-              </a:spcAft>
-              <a:buSzPts val="1600"/>
+            <a:pPr indent="-342900" lvl="1" marL="914400" rtl="0" algn="l">
+              <a:spcBef>
+                <a:spcPts val="0"/>
+              </a:spcBef>
+              <a:spcAft>
+                <a:spcPts val="0"/>
+              </a:spcAft>
+              <a:buSzPts val="1800"/>
               <a:buChar char="○"/>
             </a:pPr>
             <a:r>
-              <a:rPr lang="es-419"/>
+              <a:rPr lang="es-419" sz="1800"/>
               <a:t>Hacer una tabla de verdad de los operadores NAND, XOR y NOR</a:t>
             </a:r>
-            <a:endParaRPr/>
+            <a:endParaRPr sz="1800"/>
           </a:p>
           <a:p>
-            <a:pPr indent="-330200" lvl="1" marL="914400" rtl="0" algn="l">
-              <a:spcBef>
-                <a:spcPts val="0"/>
-              </a:spcBef>
-              <a:spcAft>
-                <a:spcPts val="0"/>
-              </a:spcAft>
-              <a:buSzPts val="1600"/>
+            <a:pPr indent="-342900" lvl="1" marL="914400" rtl="0" algn="l">
+              <a:spcBef>
+                <a:spcPts val="0"/>
+              </a:spcBef>
+              <a:spcAft>
+                <a:spcPts val="0"/>
+              </a:spcAft>
+              <a:buSzPts val="1800"/>
               <a:buChar char="○"/>
             </a:pPr>
             <a:r>
-              <a:rPr lang="es-419"/>
+              <a:rPr lang="es-419" sz="1800"/>
               <a:t>Hacer una tabla de verdad de A AND (B OR (NOT C))</a:t>
             </a:r>
-            <a:endParaRPr/>
+            <a:endParaRPr sz="1800"/>
           </a:p>
           <a:p>
             <a:pPr indent="0" lvl="0" marL="0" rtl="0" algn="l">
@@ -8427,7 +8422,7 @@
   <p:cSld>
     <p:spTree>
       <p:nvGrpSpPr>
-        <p:cNvPr id="117" name="Shape 117"/>
+        <p:cNvPr id="121" name="Shape 121"/>
         <p:cNvGrpSpPr/>
         <p:nvPr/>
       </p:nvGrpSpPr>
@@ -8441,7 +8436,7 @@
       </p:grpSpPr>
       <p:sp>
         <p:nvSpPr>
-          <p:cNvPr id="118" name="Google Shape;118;p23"/>
+          <p:cNvPr id="122" name="Google Shape;122;p23"/>
           <p:cNvSpPr txBox="1"/>
           <p:nvPr>
             <p:ph type="title"/>
@@ -8492,7 +8487,7 @@
   <p:cSld>
     <p:spTree>
       <p:nvGrpSpPr>
-        <p:cNvPr id="122" name="Shape 122"/>
+        <p:cNvPr id="126" name="Shape 126"/>
         <p:cNvGrpSpPr/>
         <p:nvPr/>
       </p:nvGrpSpPr>
@@ -8506,7 +8501,7 @@
       </p:grpSpPr>
       <p:sp>
         <p:nvSpPr>
-          <p:cNvPr id="123" name="Google Shape;123;p24"/>
+          <p:cNvPr id="127" name="Google Shape;127;p24"/>
           <p:cNvSpPr txBox="1"/>
           <p:nvPr>
             <p:ph type="title"/>
@@ -8546,7 +8541,7 @@
       </p:sp>
       <p:pic>
         <p:nvPicPr>
-          <p:cNvPr id="124" name="Google Shape;124;p24"/>
+          <p:cNvPr id="128" name="Google Shape;128;p24"/>
           <p:cNvPicPr preferRelativeResize="0"/>
           <p:nvPr/>
         </p:nvPicPr>
@@ -8574,7 +8569,7 @@
       </p:pic>
       <p:sp>
         <p:nvSpPr>
-          <p:cNvPr id="125" name="Google Shape;125;p24"/>
+          <p:cNvPr id="129" name="Google Shape;129;p24"/>
           <p:cNvSpPr txBox="1"/>
           <p:nvPr/>
         </p:nvSpPr>
@@ -8643,7 +8638,7 @@
   <p:cSld>
     <p:spTree>
       <p:nvGrpSpPr>
-        <p:cNvPr id="129" name="Shape 129"/>
+        <p:cNvPr id="133" name="Shape 133"/>
         <p:cNvGrpSpPr/>
         <p:nvPr/>
       </p:nvGrpSpPr>
@@ -8657,7 +8652,7 @@
       </p:grpSpPr>
       <p:sp>
         <p:nvSpPr>
-          <p:cNvPr id="130" name="Google Shape;130;p25"/>
+          <p:cNvPr id="134" name="Google Shape;134;p25"/>
           <p:cNvSpPr txBox="1"/>
           <p:nvPr>
             <p:ph type="title"/>
@@ -8697,7 +8692,7 @@
       </p:sp>
       <p:sp>
         <p:nvSpPr>
-          <p:cNvPr id="131" name="Google Shape;131;p25"/>
+          <p:cNvPr id="135" name="Google Shape;135;p25"/>
           <p:cNvSpPr txBox="1"/>
           <p:nvPr/>
         </p:nvSpPr>
@@ -8755,7 +8750,7 @@
       </p:sp>
       <p:sp>
         <p:nvSpPr>
-          <p:cNvPr id="132" name="Google Shape;132;p25"/>
+          <p:cNvPr id="136" name="Google Shape;136;p25"/>
           <p:cNvSpPr txBox="1"/>
           <p:nvPr>
             <p:ph idx="1" type="body"/>
@@ -8918,7 +8913,7 @@
   <p:cSld>
     <p:spTree>
       <p:nvGrpSpPr>
-        <p:cNvPr id="136" name="Shape 136"/>
+        <p:cNvPr id="140" name="Shape 140"/>
         <p:cNvGrpSpPr/>
         <p:nvPr/>
       </p:nvGrpSpPr>
@@ -8932,7 +8927,7 @@
       </p:grpSpPr>
       <p:sp>
         <p:nvSpPr>
-          <p:cNvPr id="137" name="Google Shape;137;p26"/>
+          <p:cNvPr id="141" name="Google Shape;141;p26"/>
           <p:cNvSpPr txBox="1"/>
           <p:nvPr>
             <p:ph type="title"/>
@@ -8972,7 +8967,7 @@
       </p:sp>
       <p:sp>
         <p:nvSpPr>
-          <p:cNvPr id="138" name="Google Shape;138;p26"/>
+          <p:cNvPr id="142" name="Google Shape;142;p26"/>
           <p:cNvSpPr txBox="1"/>
           <p:nvPr/>
         </p:nvSpPr>
@@ -9030,7 +9025,7 @@
       </p:sp>
       <p:pic>
         <p:nvPicPr>
-          <p:cNvPr id="139" name="Google Shape;139;p26"/>
+          <p:cNvPr id="143" name="Google Shape;143;p26"/>
           <p:cNvPicPr preferRelativeResize="0"/>
           <p:nvPr/>
         </p:nvPicPr>
@@ -9069,7 +9064,7 @@
   <p:cSld>
     <p:spTree>
       <p:nvGrpSpPr>
-        <p:cNvPr id="143" name="Shape 143"/>
+        <p:cNvPr id="147" name="Shape 147"/>
         <p:cNvGrpSpPr/>
         <p:nvPr/>
       </p:nvGrpSpPr>
@@ -9083,7 +9078,7 @@
       </p:grpSpPr>
       <p:sp>
         <p:nvSpPr>
-          <p:cNvPr id="144" name="Google Shape;144;p27"/>
+          <p:cNvPr id="148" name="Google Shape;148;p27"/>
           <p:cNvSpPr txBox="1"/>
           <p:nvPr>
             <p:ph type="title"/>
@@ -9123,7 +9118,7 @@
       </p:sp>
       <p:pic>
         <p:nvPicPr>
-          <p:cNvPr id="145" name="Google Shape;145;p27"/>
+          <p:cNvPr id="149" name="Google Shape;149;p27"/>
           <p:cNvPicPr preferRelativeResize="0"/>
           <p:nvPr/>
         </p:nvPicPr>
@@ -9151,7 +9146,7 @@
       </p:pic>
       <p:sp>
         <p:nvSpPr>
-          <p:cNvPr id="146" name="Google Shape;146;p27"/>
+          <p:cNvPr id="150" name="Google Shape;150;p27"/>
           <p:cNvSpPr txBox="1"/>
           <p:nvPr/>
         </p:nvSpPr>
@@ -9220,7 +9215,7 @@
   <p:cSld>
     <p:spTree>
       <p:nvGrpSpPr>
-        <p:cNvPr id="150" name="Shape 150"/>
+        <p:cNvPr id="154" name="Shape 154"/>
         <p:cNvGrpSpPr/>
         <p:nvPr/>
       </p:nvGrpSpPr>
@@ -9234,7 +9229,7 @@
       </p:grpSpPr>
       <p:sp>
         <p:nvSpPr>
-          <p:cNvPr id="151" name="Google Shape;151;p28"/>
+          <p:cNvPr id="155" name="Google Shape;155;p28"/>
           <p:cNvSpPr txBox="1"/>
           <p:nvPr>
             <p:ph type="title"/>
@@ -9274,7 +9269,7 @@
       </p:sp>
       <p:pic>
         <p:nvPicPr>
-          <p:cNvPr id="152" name="Google Shape;152;p28"/>
+          <p:cNvPr id="156" name="Google Shape;156;p28"/>
           <p:cNvPicPr preferRelativeResize="0"/>
           <p:nvPr/>
         </p:nvPicPr>
@@ -9302,7 +9297,7 @@
       </p:pic>
       <p:sp>
         <p:nvSpPr>
-          <p:cNvPr id="153" name="Google Shape;153;p28"/>
+          <p:cNvPr id="157" name="Google Shape;157;p28"/>
           <p:cNvSpPr txBox="1"/>
           <p:nvPr/>
         </p:nvSpPr>
@@ -9371,7 +9366,7 @@
   <p:cSld>
     <p:spTree>
       <p:nvGrpSpPr>
-        <p:cNvPr id="157" name="Shape 157"/>
+        <p:cNvPr id="161" name="Shape 161"/>
         <p:cNvGrpSpPr/>
         <p:nvPr/>
       </p:nvGrpSpPr>
@@ -9385,7 +9380,7 @@
       </p:grpSpPr>
       <p:sp>
         <p:nvSpPr>
-          <p:cNvPr id="158" name="Google Shape;158;p29"/>
+          <p:cNvPr id="162" name="Google Shape;162;p29"/>
           <p:cNvSpPr txBox="1"/>
           <p:nvPr>
             <p:ph type="title"/>
@@ -9425,7 +9420,7 @@
       </p:sp>
       <p:sp>
         <p:nvSpPr>
-          <p:cNvPr id="159" name="Google Shape;159;p29"/>
+          <p:cNvPr id="163" name="Google Shape;163;p29"/>
           <p:cNvSpPr txBox="1"/>
           <p:nvPr/>
         </p:nvSpPr>
@@ -9483,7 +9478,7 @@
       </p:sp>
       <p:pic>
         <p:nvPicPr>
-          <p:cNvPr id="160" name="Google Shape;160;p29"/>
+          <p:cNvPr id="164" name="Google Shape;164;p29"/>
           <p:cNvPicPr preferRelativeResize="0"/>
           <p:nvPr/>
         </p:nvPicPr>
@@ -9511,7 +9506,7 @@
       </p:pic>
       <p:sp>
         <p:nvSpPr>
-          <p:cNvPr id="161" name="Google Shape;161;p29"/>
+          <p:cNvPr id="165" name="Google Shape;165;p29"/>
           <p:cNvSpPr/>
           <p:nvPr/>
         </p:nvSpPr>
@@ -9568,7 +9563,7 @@
       </p:sp>
       <p:sp>
         <p:nvSpPr>
-          <p:cNvPr id="162" name="Google Shape;162;p29"/>
+          <p:cNvPr id="166" name="Google Shape;166;p29"/>
           <p:cNvSpPr txBox="1"/>
           <p:nvPr/>
         </p:nvSpPr>
@@ -9626,7 +9621,7 @@
       </p:sp>
       <p:sp>
         <p:nvSpPr>
-          <p:cNvPr id="163" name="Google Shape;163;p29"/>
+          <p:cNvPr id="167" name="Google Shape;167;p29"/>
           <p:cNvSpPr txBox="1"/>
           <p:nvPr/>
         </p:nvSpPr>
@@ -9707,7 +9702,7 @@
   <p:cSld>
     <p:spTree>
       <p:nvGrpSpPr>
-        <p:cNvPr id="167" name="Shape 167"/>
+        <p:cNvPr id="171" name="Shape 171"/>
         <p:cNvGrpSpPr/>
         <p:nvPr/>
       </p:nvGrpSpPr>
@@ -9721,7 +9716,7 @@
       </p:grpSpPr>
       <p:sp>
         <p:nvSpPr>
-          <p:cNvPr id="168" name="Google Shape;168;p30"/>
+          <p:cNvPr id="172" name="Google Shape;172;p30"/>
           <p:cNvSpPr txBox="1"/>
           <p:nvPr>
             <p:ph type="title"/>
@@ -9772,7 +9767,7 @@
   <p:cSld>
     <p:spTree>
       <p:nvGrpSpPr>
-        <p:cNvPr id="172" name="Shape 172"/>
+        <p:cNvPr id="176" name="Shape 176"/>
         <p:cNvGrpSpPr/>
         <p:nvPr/>
       </p:nvGrpSpPr>
@@ -9786,7 +9781,7 @@
       </p:grpSpPr>
       <p:sp>
         <p:nvSpPr>
-          <p:cNvPr id="173" name="Google Shape;173;p31"/>
+          <p:cNvPr id="177" name="Google Shape;177;p31"/>
           <p:cNvSpPr txBox="1"/>
           <p:nvPr>
             <p:ph type="title"/>
@@ -9826,7 +9821,7 @@
       </p:sp>
       <p:graphicFrame>
         <p:nvGraphicFramePr>
-          <p:cNvPr id="174" name="Google Shape;174;p31"/>
+          <p:cNvPr id="178" name="Google Shape;178;p31"/>
           <p:cNvGraphicFramePr/>
           <p:nvPr/>
         </p:nvGraphicFramePr>
@@ -9839,7 +9834,7 @@
             <a:tbl>
               <a:tblPr>
                 <a:noFill/>
-                <a:tableStyleId>{3315794B-392B-4340-B42B-A07E897C581D}</a:tableStyleId>
+                <a:tableStyleId>{A209CEB7-D82E-46A9-992F-E0238FDD3D1A}</a:tableStyleId>
               </a:tblPr>
               <a:tblGrid>
                 <a:gridCol w="2413000"/>
@@ -10514,7 +10509,7 @@
       </p:graphicFrame>
       <p:sp>
         <p:nvSpPr>
-          <p:cNvPr id="175" name="Google Shape;175;p31"/>
+          <p:cNvPr id="179" name="Google Shape;179;p31"/>
           <p:cNvSpPr txBox="1"/>
           <p:nvPr/>
         </p:nvSpPr>
@@ -10648,7 +10643,7 @@
   <p:cSld>
     <p:spTree>
       <p:nvGrpSpPr>
-        <p:cNvPr id="179" name="Shape 179"/>
+        <p:cNvPr id="183" name="Shape 183"/>
         <p:cNvGrpSpPr/>
         <p:nvPr/>
       </p:nvGrpSpPr>
@@ -10662,7 +10657,7 @@
       </p:grpSpPr>
       <p:graphicFrame>
         <p:nvGraphicFramePr>
-          <p:cNvPr id="180" name="Google Shape;180;p32"/>
+          <p:cNvPr id="184" name="Google Shape;184;p32"/>
           <p:cNvGraphicFramePr/>
           <p:nvPr/>
         </p:nvGraphicFramePr>
@@ -10675,7 +10670,7 @@
             <a:tbl>
               <a:tblPr>
                 <a:noFill/>
-                <a:tableStyleId>{3315794B-392B-4340-B42B-A07E897C581D}</a:tableStyleId>
+                <a:tableStyleId>{A209CEB7-D82E-46A9-992F-E0238FDD3D1A}</a:tableStyleId>
               </a:tblPr>
               <a:tblGrid>
                 <a:gridCol w="2413000"/>
@@ -11623,7 +11618,7 @@
             </a:pPr>
             <a:r>
               <a:rPr lang="es-419"/>
-              <a:t>Clasificación de los tipos de datos</a:t>
+              <a:t>Clasificación de los tipos de datos (teoría general)</a:t>
             </a:r>
             <a:endParaRPr/>
           </a:p>
@@ -11644,11 +11639,11 @@
             <a:tbl>
               <a:tblPr>
                 <a:noFill/>
-                <a:tableStyleId>{D0BBC23A-0F8A-451F-ACCF-DA9512B8C74F}</a:tableStyleId>
+                <a:tableStyleId>{6719646C-363C-4A31-8E62-F553BBC1D26A}</a:tableStyleId>
               </a:tblPr>
               <a:tblGrid>
-                <a:gridCol w="2268500"/>
-                <a:gridCol w="3171075"/>
+                <a:gridCol w="1973375"/>
+                <a:gridCol w="3466200"/>
                 <a:gridCol w="3171075"/>
               </a:tblGrid>
               <a:tr h="1551825">
@@ -11705,6 +11700,24 @@
                     </a:p>
                   </a:txBody>
                   <a:tcPr marT="91425" marB="91425" marR="91425" marL="91425">
+                    <a:lnR cap="flat" cmpd="sng" w="9525">
+                      <a:solidFill>
+                        <a:schemeClr val="lt1"/>
+                      </a:solidFill>
+                      <a:prstDash val="solid"/>
+                      <a:round/>
+                      <a:headEnd len="sm" w="sm" type="none"/>
+                      <a:tailEnd len="sm" w="sm" type="none"/>
+                    </a:lnR>
+                    <a:lnB cap="flat" cmpd="sng" w="9525">
+                      <a:solidFill>
+                        <a:schemeClr val="dk2"/>
+                      </a:solidFill>
+                      <a:prstDash val="solid"/>
+                      <a:round/>
+                      <a:headEnd len="sm" w="sm" type="none"/>
+                      <a:tailEnd len="sm" w="sm" type="none"/>
+                    </a:lnB>
                     <a:solidFill>
                       <a:schemeClr val="dk2"/>
                     </a:solidFill>
@@ -11715,7 +11728,7 @@
                     <a:bodyPr/>
                     <a:lstStyle/>
                     <a:p>
-                      <a:pPr indent="-304800" lvl="0" marL="457200" marR="0" rtl="0" algn="l">
+                      <a:pPr indent="-304800" lvl="0" marL="719999" marR="0" rtl="0" algn="l">
                         <a:lnSpc>
                           <a:spcPct val="100000"/>
                         </a:lnSpc>
@@ -11743,7 +11756,7 @@
                       <a:endParaRPr sz="1200" u="none" cap="none" strike="noStrike"/>
                     </a:p>
                     <a:p>
-                      <a:pPr indent="-304800" lvl="0" marL="457200" marR="0" rtl="0" algn="l">
+                      <a:pPr indent="-304800" lvl="0" marL="719999" marR="0" rtl="0" algn="l">
                         <a:lnSpc>
                           <a:spcPct val="100000"/>
                         </a:lnSpc>
@@ -11767,7 +11780,7 @@
                       <a:endParaRPr sz="1200" u="none" cap="none" strike="noStrike"/>
                     </a:p>
                     <a:p>
-                      <a:pPr indent="-304800" lvl="0" marL="457200" marR="0" rtl="0" algn="l">
+                      <a:pPr indent="-304800" lvl="0" marL="719999" marR="0" rtl="0" algn="l">
                         <a:lnSpc>
                           <a:spcPct val="100000"/>
                         </a:lnSpc>
@@ -11791,7 +11804,7 @@
                       <a:endParaRPr sz="1200" u="none" cap="none" strike="noStrike"/>
                     </a:p>
                     <a:p>
-                      <a:pPr indent="-304800" lvl="0" marL="457200" marR="0" rtl="0" algn="l">
+                      <a:pPr indent="-304800" lvl="0" marL="719999" marR="0" rtl="0" algn="l">
                         <a:lnSpc>
                           <a:spcPct val="100000"/>
                         </a:lnSpc>
@@ -11815,7 +11828,7 @@
                       <a:endParaRPr sz="1200" u="none" cap="none" strike="noStrike"/>
                     </a:p>
                     <a:p>
-                      <a:pPr indent="-304800" lvl="0" marL="457200" marR="0" rtl="0" algn="l">
+                      <a:pPr indent="-304800" lvl="0" marL="719999" marR="0" rtl="0" algn="l">
                         <a:lnSpc>
                           <a:spcPct val="100000"/>
                         </a:lnSpc>
@@ -11838,11 +11851,58 @@
                       </a:r>
                       <a:endParaRPr sz="1200" u="none" cap="none" strike="noStrike"/>
                     </a:p>
+                    <a:p>
+                      <a:pPr indent="-304800" lvl="0" marL="719999" marR="0" rtl="0" algn="l">
+                        <a:lnSpc>
+                          <a:spcPct val="100000"/>
+                        </a:lnSpc>
+                        <a:spcBef>
+                          <a:spcPts val="0"/>
+                        </a:spcBef>
+                        <a:spcAft>
+                          <a:spcPts val="0"/>
+                        </a:spcAft>
+                        <a:buSzPts val="1200"/>
+                        <a:buChar char="●"/>
+                      </a:pPr>
+                      <a:r>
+                        <a:rPr lang="es-419" sz="1200"/>
+                        <a:t>Caracteres (internamente son enteros)</a:t>
+                      </a:r>
+                      <a:endParaRPr sz="1200"/>
+                    </a:p>
                   </a:txBody>
                   <a:tcPr marT="91425" marB="91425" marR="91425" marL="91425">
+                    <a:lnL cap="flat" cmpd="sng" w="9525">
+                      <a:solidFill>
+                        <a:schemeClr val="lt1"/>
+                      </a:solidFill>
+                      <a:prstDash val="solid"/>
+                      <a:round/>
+                      <a:headEnd len="sm" w="sm" type="none"/>
+                      <a:tailEnd len="sm" w="sm" type="none"/>
+                    </a:lnL>
+                    <a:lnR cap="flat" cmpd="sng" w="9525">
+                      <a:solidFill>
+                        <a:schemeClr val="lt1"/>
+                      </a:solidFill>
+                      <a:prstDash val="solid"/>
+                      <a:round/>
+                      <a:headEnd len="sm" w="sm" type="none"/>
+                      <a:tailEnd len="sm" w="sm" type="none"/>
+                    </a:lnR>
+                    <a:lnT cap="flat" cmpd="sng" w="9525">
+                      <a:solidFill>
+                        <a:schemeClr val="lt1"/>
+                      </a:solidFill>
+                      <a:prstDash val="solid"/>
+                      <a:round/>
+                      <a:headEnd len="sm" w="sm" type="none"/>
+                      <a:tailEnd len="sm" w="sm" type="none"/>
+                    </a:lnT>
                     <a:lnB cap="flat" cmpd="sng" w="9525">
                       <a:solidFill>
-                        <a:srgbClr val="9E9E9E"/>
+                        <a:schemeClr val="lt1"/>
                       </a:solidFill>
                       <a:prstDash val="solid"/>
                       <a:round/>
@@ -11875,9 +11935,36 @@
                     </a:p>
                   </a:txBody>
                   <a:tcPr marT="91425" marB="91425" marR="91425" marL="91425">
+                    <a:lnL cap="flat" cmpd="sng" w="9525">
+                      <a:solidFill>
+                        <a:schemeClr val="lt1"/>
+                      </a:solidFill>
+                      <a:prstDash val="solid"/>
+                      <a:round/>
+                      <a:headEnd len="sm" w="sm" type="none"/>
+                      <a:tailEnd len="sm" w="sm" type="none"/>
+                    </a:lnL>
+                    <a:lnR cap="flat" cmpd="sng" w="9525">
+                      <a:solidFill>
+                        <a:schemeClr val="lt1"/>
+                      </a:solidFill>
+                      <a:prstDash val="solid"/>
+                      <a:round/>
+                      <a:headEnd len="sm" w="sm" type="none"/>
+                      <a:tailEnd len="sm" w="sm" type="none"/>
+                    </a:lnR>
+                    <a:lnT cap="flat" cmpd="sng" w="9525">
+                      <a:solidFill>
+                        <a:schemeClr val="lt1"/>
+                      </a:solidFill>
+                      <a:prstDash val="solid"/>
+                      <a:round/>
+                      <a:headEnd len="sm" w="sm" type="none"/>
+                      <a:tailEnd len="sm" w="sm" type="none"/>
+                    </a:lnT>
                     <a:lnB cap="flat" cmpd="sng" w="9525">
                       <a:solidFill>
-                        <a:srgbClr val="9E9E9E"/>
+                        <a:schemeClr val="lt1"/>
                       </a:solidFill>
                       <a:prstDash val="solid"/>
                       <a:round/>
@@ -11960,13 +12047,22 @@
                   <a:tcPr marT="91425" marB="91425" marR="91425" marL="91425">
                     <a:lnR cap="flat" cmpd="sng" w="9525">
                       <a:solidFill>
-                        <a:srgbClr val="9E9E9E"/>
+                        <a:schemeClr val="lt1"/>
                       </a:solidFill>
                       <a:prstDash val="solid"/>
                       <a:round/>
                       <a:headEnd len="sm" w="sm" type="none"/>
                       <a:tailEnd len="sm" w="sm" type="none"/>
                     </a:lnR>
+                    <a:lnT cap="flat" cmpd="sng" w="9525">
+                      <a:solidFill>
+                        <a:schemeClr val="dk2"/>
+                      </a:solidFill>
+                      <a:prstDash val="solid"/>
+                      <a:round/>
+                      <a:headEnd len="sm" w="sm" type="none"/>
+                      <a:tailEnd len="sm" w="sm" type="none"/>
+                    </a:lnT>
                     <a:solidFill>
                       <a:schemeClr val="dk2"/>
                     </a:solidFill>
@@ -11977,7 +12073,7 @@
                     <a:bodyPr/>
                     <a:lstStyle/>
                     <a:p>
-                      <a:pPr indent="-304800" lvl="0" marL="457200" marR="0" rtl="0" algn="l">
+                      <a:pPr indent="-304800" lvl="0" marL="719999" marR="0" rtl="0" algn="l">
                         <a:lnSpc>
                           <a:spcPct val="100000"/>
                         </a:lnSpc>
@@ -12005,7 +12101,7 @@
                       <a:endParaRPr sz="1200" u="none" cap="none" strike="noStrike"/>
                     </a:p>
                     <a:p>
-                      <a:pPr indent="-304800" lvl="0" marL="457200" marR="0" rtl="0" algn="l">
+                      <a:pPr indent="-304800" lvl="0" marL="719999" marR="0" rtl="0" algn="l">
                         <a:lnSpc>
                           <a:spcPct val="100000"/>
                         </a:lnSpc>
@@ -12029,7 +12125,7 @@
                       <a:endParaRPr sz="1200" u="none" cap="none" strike="noStrike"/>
                     </a:p>
                     <a:p>
-                      <a:pPr indent="-304800" lvl="0" marL="457200" marR="0" rtl="0" algn="l">
+                      <a:pPr indent="-304800" lvl="0" marL="719999" marR="0" rtl="0" algn="l">
                         <a:lnSpc>
                           <a:spcPct val="100000"/>
                         </a:lnSpc>
@@ -12053,7 +12149,7 @@
                       <a:endParaRPr sz="1200" u="none" cap="none" strike="noStrike"/>
                     </a:p>
                     <a:p>
-                      <a:pPr indent="-304800" lvl="0" marL="457200" marR="0" rtl="0" algn="l">
+                      <a:pPr indent="-304800" lvl="0" marL="719999" marR="0" rtl="0" algn="l">
                         <a:lnSpc>
                           <a:spcPct val="100000"/>
                         </a:lnSpc>
@@ -12077,7 +12173,7 @@
                       <a:endParaRPr sz="1200" u="none" cap="none" strike="noStrike"/>
                     </a:p>
                     <a:p>
-                      <a:pPr indent="-304800" lvl="0" marL="457200" marR="0" rtl="0" algn="l">
+                      <a:pPr indent="-304800" lvl="0" marL="719999" marR="0" rtl="0" algn="l">
                         <a:lnSpc>
                           <a:spcPct val="100000"/>
                         </a:lnSpc>
@@ -12104,7 +12200,7 @@
                   <a:tcPr marT="91425" marB="91425" marR="91425" marL="91425">
                     <a:lnL cap="flat" cmpd="sng" w="9525">
                       <a:solidFill>
-                        <a:srgbClr val="9E9E9E"/>
+                        <a:schemeClr val="lt1"/>
                       </a:solidFill>
                       <a:prstDash val="solid"/>
                       <a:round/>
@@ -12113,7 +12209,7 @@
                     </a:lnL>
                     <a:lnR cap="flat" cmpd="sng" w="9525">
                       <a:solidFill>
-                        <a:srgbClr val="9E9E9E"/>
+                        <a:schemeClr val="lt1"/>
                       </a:solidFill>
                       <a:prstDash val="solid"/>
                       <a:round/>
@@ -12122,7 +12218,7 @@
                     </a:lnR>
                     <a:lnT cap="flat" cmpd="sng" w="9525">
                       <a:solidFill>
-                        <a:srgbClr val="9E9E9E"/>
+                        <a:schemeClr val="lt1"/>
                       </a:solidFill>
                       <a:prstDash val="solid"/>
                       <a:round/>
@@ -12131,7 +12227,7 @@
                     </a:lnT>
                     <a:lnB cap="flat" cmpd="sng" w="9525">
                       <a:solidFill>
-                        <a:srgbClr val="9E9E9E"/>
+                        <a:schemeClr val="lt1"/>
                       </a:solidFill>
                       <a:prstDash val="solid"/>
                       <a:round/>
@@ -12287,6 +12383,991 @@
                         <a:t>Descriptor de archivo</a:t>
                       </a:r>
                       <a:endParaRPr sz="1200" u="none" cap="none" strike="noStrike"/>
+                    </a:p>
+                    <a:p>
+                      <a:pPr indent="0" lvl="0" marL="0" marR="0" rtl="0" algn="l">
+                        <a:lnSpc>
+                          <a:spcPct val="100000"/>
+                        </a:lnSpc>
+                        <a:spcBef>
+                          <a:spcPts val="0"/>
+                        </a:spcBef>
+                        <a:spcAft>
+                          <a:spcPts val="0"/>
+                        </a:spcAft>
+                        <a:buClr>
+                          <a:srgbClr val="000000"/>
+                        </a:buClr>
+                        <a:buSzPts val="1400"/>
+                        <a:buFont typeface="Arial"/>
+                        <a:buNone/>
+                      </a:pPr>
+                      <a:r>
+                        <a:t/>
+                      </a:r>
+                      <a:endParaRPr sz="1400" u="none" cap="none" strike="noStrike"/>
+                    </a:p>
+                  </a:txBody>
+                  <a:tcPr marT="91425" marB="91425" marR="91425" marL="91425">
+                    <a:lnL cap="flat" cmpd="sng" w="9525">
+                      <a:solidFill>
+                        <a:schemeClr val="lt1"/>
+                      </a:solidFill>
+                      <a:prstDash val="solid"/>
+                      <a:round/>
+                      <a:headEnd len="sm" w="sm" type="none"/>
+                      <a:tailEnd len="sm" w="sm" type="none"/>
+                    </a:lnL>
+                    <a:lnR cap="flat" cmpd="sng" w="9525">
+                      <a:solidFill>
+                        <a:schemeClr val="lt1"/>
+                      </a:solidFill>
+                      <a:prstDash val="solid"/>
+                      <a:round/>
+                      <a:headEnd len="sm" w="sm" type="none"/>
+                      <a:tailEnd len="sm" w="sm" type="none"/>
+                    </a:lnR>
+                    <a:lnT cap="flat" cmpd="sng" w="9525">
+                      <a:solidFill>
+                        <a:schemeClr val="lt1"/>
+                      </a:solidFill>
+                      <a:prstDash val="solid"/>
+                      <a:round/>
+                      <a:headEnd len="sm" w="sm" type="none"/>
+                      <a:tailEnd len="sm" w="sm" type="none"/>
+                    </a:lnT>
+                    <a:lnB cap="flat" cmpd="sng" w="9525">
+                      <a:solidFill>
+                        <a:schemeClr val="lt1"/>
+                      </a:solidFill>
+                      <a:prstDash val="solid"/>
+                      <a:round/>
+                      <a:headEnd len="sm" w="sm" type="none"/>
+                      <a:tailEnd len="sm" w="sm" type="none"/>
+                    </a:lnB>
+                  </a:tcPr>
+                </a:tc>
+              </a:tr>
+            </a:tbl>
+          </a:graphicData>
+        </a:graphic>
+      </p:graphicFrame>
+      <p:sp>
+        <p:nvSpPr>
+          <p:cNvPr id="78" name="Google Shape;78;p16"/>
+          <p:cNvSpPr/>
+          <p:nvPr/>
+        </p:nvSpPr>
+        <p:spPr>
+          <a:xfrm>
+            <a:off x="2240050" y="1285025"/>
+            <a:ext cx="362100" cy="1395300"/>
+          </a:xfrm>
+          <a:prstGeom prst="leftBrace">
+            <a:avLst>
+              <a:gd fmla="val 50000" name="adj1"/>
+              <a:gd fmla="val 50000" name="adj2"/>
+            </a:avLst>
+          </a:prstGeom>
+          <a:noFill/>
+          <a:ln cap="flat" cmpd="sng" w="28575">
+            <a:solidFill>
+              <a:schemeClr val="dk2"/>
+            </a:solidFill>
+            <a:prstDash val="solid"/>
+            <a:round/>
+            <a:headEnd len="sm" w="sm" type="none"/>
+            <a:tailEnd len="sm" w="sm" type="none"/>
+          </a:ln>
+        </p:spPr>
+        <p:txBody>
+          <a:bodyPr anchorCtr="0" anchor="ctr" bIns="91425" lIns="91425" spcFirstLastPara="1" rIns="91425" wrap="square" tIns="91425">
+            <a:noAutofit/>
+          </a:bodyPr>
+          <a:lstStyle/>
+          <a:p>
+            <a:pPr indent="0" lvl="0" marL="0" rtl="0" algn="ctr">
+              <a:spcBef>
+                <a:spcPts val="0"/>
+              </a:spcBef>
+              <a:spcAft>
+                <a:spcPts val="0"/>
+              </a:spcAft>
+              <a:buNone/>
+            </a:pPr>
+            <a:r>
+              <a:t/>
+            </a:r>
+            <a:endParaRPr>
+              <a:latin typeface="Proxima Nova"/>
+              <a:ea typeface="Proxima Nova"/>
+              <a:cs typeface="Proxima Nova"/>
+              <a:sym typeface="Proxima Nova"/>
+            </a:endParaRPr>
+          </a:p>
+        </p:txBody>
+      </p:sp>
+      <p:sp>
+        <p:nvSpPr>
+          <p:cNvPr id="79" name="Google Shape;79;p16"/>
+          <p:cNvSpPr/>
+          <p:nvPr/>
+        </p:nvSpPr>
+        <p:spPr>
+          <a:xfrm>
+            <a:off x="2240050" y="2947625"/>
+            <a:ext cx="362100" cy="1020000"/>
+          </a:xfrm>
+          <a:prstGeom prst="leftBrace">
+            <a:avLst>
+              <a:gd fmla="val 50000" name="adj1"/>
+              <a:gd fmla="val 50000" name="adj2"/>
+            </a:avLst>
+          </a:prstGeom>
+          <a:noFill/>
+          <a:ln cap="flat" cmpd="sng" w="28575">
+            <a:solidFill>
+              <a:schemeClr val="dk2"/>
+            </a:solidFill>
+            <a:prstDash val="solid"/>
+            <a:round/>
+            <a:headEnd len="sm" w="sm" type="none"/>
+            <a:tailEnd len="sm" w="sm" type="none"/>
+          </a:ln>
+        </p:spPr>
+        <p:txBody>
+          <a:bodyPr anchorCtr="0" anchor="ctr" bIns="91425" lIns="91425" spcFirstLastPara="1" rIns="91425" wrap="square" tIns="91425">
+            <a:noAutofit/>
+          </a:bodyPr>
+          <a:lstStyle/>
+          <a:p>
+            <a:pPr indent="0" lvl="0" marL="0" rtl="0" algn="ctr">
+              <a:spcBef>
+                <a:spcPts val="0"/>
+              </a:spcBef>
+              <a:spcAft>
+                <a:spcPts val="0"/>
+              </a:spcAft>
+              <a:buNone/>
+            </a:pPr>
+            <a:r>
+              <a:t/>
+            </a:r>
+            <a:endParaRPr>
+              <a:latin typeface="Proxima Nova"/>
+              <a:ea typeface="Proxima Nova"/>
+              <a:cs typeface="Proxima Nova"/>
+              <a:sym typeface="Proxima Nova"/>
+            </a:endParaRPr>
+          </a:p>
+        </p:txBody>
+      </p:sp>
+    </p:spTree>
+  </p:cSld>
+  <p:clrMapOvr>
+    <a:masterClrMapping/>
+  </p:clrMapOvr>
+</p:sld>
+</file>
+
+<file path=ppt/slides/slide5.xml><?xml version="1.0" encoding="utf-8"?>
+<p:sld xmlns:a="http://schemas.openxmlformats.org/drawingml/2006/main" xmlns:r="http://schemas.openxmlformats.org/officeDocument/2006/relationships" xmlns:mc="http://schemas.openxmlformats.org/markup-compatibility/2006" xmlns:mv="urn:schemas-microsoft-com:mac:vml" xmlns:p="http://schemas.openxmlformats.org/presentationml/2006/main" xmlns:c="http://schemas.openxmlformats.org/drawingml/2006/chart" xmlns:dgm="http://schemas.openxmlformats.org/drawingml/2006/diagram" xmlns:o="urn:schemas-microsoft-com:office:office" xmlns:v="urn:schemas-microsoft-com:vml" xmlns:pvml="urn:schemas-microsoft-com:office:powerpoint" xmlns:com="http://schemas.openxmlformats.org/drawingml/2006/compatibility" xmlns:p14="http://schemas.microsoft.com/office/powerpoint/2010/main" xmlns:p15="http://schemas.microsoft.com/office/powerpoint/2012/main" xmlns:ahyp="http://schemas.microsoft.com/office/drawing/2018/hyperlinkcolor">
+  <p:cSld>
+    <p:spTree>
+      <p:nvGrpSpPr>
+        <p:cNvPr id="83" name="Shape 83"/>
+        <p:cNvGrpSpPr/>
+        <p:nvPr/>
+      </p:nvGrpSpPr>
+      <p:grpSpPr>
+        <a:xfrm>
+          <a:off x="0" y="0"/>
+          <a:ext cx="0" cy="0"/>
+          <a:chOff x="0" y="0"/>
+          <a:chExt cx="0" cy="0"/>
+        </a:xfrm>
+      </p:grpSpPr>
+      <p:sp>
+        <p:nvSpPr>
+          <p:cNvPr id="84" name="Google Shape;84;p17"/>
+          <p:cNvSpPr txBox="1"/>
+          <p:nvPr>
+            <p:ph type="title"/>
+          </p:nvPr>
+        </p:nvSpPr>
+        <p:spPr>
+          <a:xfrm>
+            <a:off x="311700" y="445025"/>
+            <a:ext cx="8520600" cy="572700"/>
+          </a:xfrm>
+          <a:prstGeom prst="rect">
+            <a:avLst/>
+          </a:prstGeom>
+        </p:spPr>
+        <p:txBody>
+          <a:bodyPr anchorCtr="0" anchor="t" bIns="91425" lIns="91425" spcFirstLastPara="1" rIns="91425" wrap="square" tIns="91425">
+            <a:noAutofit/>
+          </a:bodyPr>
+          <a:lstStyle/>
+          <a:p>
+            <a:pPr indent="0" lvl="0" marL="0" rtl="0" algn="l">
+              <a:spcBef>
+                <a:spcPts val="0"/>
+              </a:spcBef>
+              <a:spcAft>
+                <a:spcPts val="0"/>
+              </a:spcAft>
+              <a:buNone/>
+            </a:pPr>
+            <a:r>
+              <a:rPr lang="es-419"/>
+              <a:t>Tipos de datos en Java</a:t>
+            </a:r>
+            <a:endParaRPr/>
+          </a:p>
+        </p:txBody>
+      </p:sp>
+      <p:graphicFrame>
+        <p:nvGraphicFramePr>
+          <p:cNvPr id="85" name="Google Shape;85;p17"/>
+          <p:cNvGraphicFramePr/>
+          <p:nvPr/>
+        </p:nvGraphicFramePr>
+        <p:xfrm>
+          <a:off x="266675" y="1285025"/>
+          <a:ext cx="3000000" cy="3000000"/>
+        </p:xfrm>
+        <a:graphic>
+          <a:graphicData uri="http://schemas.openxmlformats.org/drawingml/2006/table">
+            <a:tbl>
+              <a:tblPr>
+                <a:noFill/>
+                <a:tableStyleId>{6719646C-363C-4A31-8E62-F553BBC1D26A}</a:tableStyleId>
+              </a:tblPr>
+              <a:tblGrid>
+                <a:gridCol w="2268500"/>
+                <a:gridCol w="3171075"/>
+                <a:gridCol w="3171075"/>
+              </a:tblGrid>
+              <a:tr h="1551825">
+                <a:tc>
+                  <a:txBody>
+                    <a:bodyPr/>
+                    <a:lstStyle/>
+                    <a:p>
+                      <a:pPr indent="0" lvl="0" marL="0" marR="0" rtl="0" algn="l">
+                        <a:lnSpc>
+                          <a:spcPct val="100000"/>
+                        </a:lnSpc>
+                        <a:spcBef>
+                          <a:spcPts val="0"/>
+                        </a:spcBef>
+                        <a:spcAft>
+                          <a:spcPts val="0"/>
+                        </a:spcAft>
+                        <a:buClr>
+                          <a:srgbClr val="000000"/>
+                        </a:buClr>
+                        <a:buSzPts val="1400"/>
+                        <a:buFont typeface="Arial"/>
+                        <a:buNone/>
+                      </a:pPr>
+                      <a:r>
+                        <a:rPr b="1" lang="es-419">
+                          <a:solidFill>
+                            <a:schemeClr val="lt1"/>
+                          </a:solidFill>
+                        </a:rPr>
+                        <a:t>Tipos Primitivos</a:t>
+                      </a:r>
+                      <a:endParaRPr b="1" sz="1400" u="none" cap="none" strike="noStrike">
+                        <a:solidFill>
+                          <a:schemeClr val="lt1"/>
+                        </a:solidFill>
+                      </a:endParaRPr>
+                    </a:p>
+                  </a:txBody>
+                  <a:tcPr marT="91425" marB="91425" marR="91425" marL="91425">
+                    <a:lnR cap="flat" cmpd="sng" w="9525">
+                      <a:solidFill>
+                        <a:schemeClr val="lt1"/>
+                      </a:solidFill>
+                      <a:prstDash val="solid"/>
+                      <a:round/>
+                      <a:headEnd len="sm" w="sm" type="none"/>
+                      <a:tailEnd len="sm" w="sm" type="none"/>
+                    </a:lnR>
+                    <a:lnB cap="flat" cmpd="sng" w="9525">
+                      <a:solidFill>
+                        <a:schemeClr val="dk2"/>
+                      </a:solidFill>
+                      <a:prstDash val="solid"/>
+                      <a:round/>
+                      <a:headEnd len="sm" w="sm" type="none"/>
+                      <a:tailEnd len="sm" w="sm" type="none"/>
+                    </a:lnB>
+                    <a:solidFill>
+                      <a:schemeClr val="dk2"/>
+                    </a:solidFill>
+                  </a:tcPr>
+                </a:tc>
+                <a:tc>
+                  <a:txBody>
+                    <a:bodyPr/>
+                    <a:lstStyle/>
+                    <a:p>
+                      <a:pPr indent="-317500" lvl="0" marL="630000" rtl="0" algn="l">
+                        <a:spcBef>
+                          <a:spcPts val="0"/>
+                        </a:spcBef>
+                        <a:spcAft>
+                          <a:spcPts val="0"/>
+                        </a:spcAft>
+                        <a:buSzPts val="1400"/>
+                        <a:buChar char="●"/>
+                      </a:pPr>
+                      <a:r>
+                        <a:rPr lang="es-419"/>
+                        <a:t>byte </a:t>
+                      </a:r>
+                      <a:endParaRPr/>
+                    </a:p>
+                    <a:p>
+                      <a:pPr indent="-317500" lvl="0" marL="630000" rtl="0" algn="l">
+                        <a:spcBef>
+                          <a:spcPts val="0"/>
+                        </a:spcBef>
+                        <a:spcAft>
+                          <a:spcPts val="0"/>
+                        </a:spcAft>
+                        <a:buSzPts val="1400"/>
+                        <a:buChar char="●"/>
+                      </a:pPr>
+                      <a:r>
+                        <a:rPr lang="es-419"/>
+                        <a:t>short </a:t>
+                      </a:r>
+                      <a:endParaRPr/>
+                    </a:p>
+                    <a:p>
+                      <a:pPr indent="-317500" lvl="0" marL="630000" rtl="0" algn="l">
+                        <a:spcBef>
+                          <a:spcPts val="0"/>
+                        </a:spcBef>
+                        <a:spcAft>
+                          <a:spcPts val="0"/>
+                        </a:spcAft>
+                        <a:buSzPts val="1400"/>
+                        <a:buChar char="●"/>
+                      </a:pPr>
+                      <a:r>
+                        <a:rPr lang="es-419"/>
+                        <a:t>int </a:t>
+                      </a:r>
+                      <a:endParaRPr/>
+                    </a:p>
+                    <a:p>
+                      <a:pPr indent="-317500" lvl="0" marL="630000" rtl="0" algn="l">
+                        <a:spcBef>
+                          <a:spcPts val="0"/>
+                        </a:spcBef>
+                        <a:spcAft>
+                          <a:spcPts val="0"/>
+                        </a:spcAft>
+                        <a:buSzPts val="1400"/>
+                        <a:buChar char="●"/>
+                      </a:pPr>
+                      <a:r>
+                        <a:rPr lang="es-419"/>
+                        <a:t>long </a:t>
+                      </a:r>
+                      <a:endParaRPr/>
+                    </a:p>
+                    <a:p>
+                      <a:pPr indent="-317500" lvl="0" marL="630000" rtl="0" algn="l">
+                        <a:spcBef>
+                          <a:spcPts val="0"/>
+                        </a:spcBef>
+                        <a:spcAft>
+                          <a:spcPts val="0"/>
+                        </a:spcAft>
+                        <a:buSzPts val="1400"/>
+                        <a:buChar char="●"/>
+                      </a:pPr>
+                      <a:r>
+                        <a:rPr lang="es-419"/>
+                        <a:t>char</a:t>
+                      </a:r>
+                      <a:endParaRPr/>
+                    </a:p>
+                    <a:p>
+                      <a:pPr indent="-317500" lvl="0" marL="630000" rtl="0" algn="l">
+                        <a:spcBef>
+                          <a:spcPts val="0"/>
+                        </a:spcBef>
+                        <a:spcAft>
+                          <a:spcPts val="0"/>
+                        </a:spcAft>
+                        <a:buSzPts val="1400"/>
+                        <a:buChar char="●"/>
+                      </a:pPr>
+                      <a:r>
+                        <a:rPr lang="es-419"/>
+                        <a:t>float </a:t>
+                      </a:r>
+                      <a:endParaRPr/>
+                    </a:p>
+                    <a:p>
+                      <a:pPr indent="-317500" lvl="0" marL="630000" rtl="0" algn="l">
+                        <a:spcBef>
+                          <a:spcPts val="0"/>
+                        </a:spcBef>
+                        <a:spcAft>
+                          <a:spcPts val="0"/>
+                        </a:spcAft>
+                        <a:buSzPts val="1400"/>
+                        <a:buChar char="●"/>
+                      </a:pPr>
+                      <a:r>
+                        <a:rPr lang="es-419"/>
+                        <a:t>double</a:t>
+                      </a:r>
+                      <a:endParaRPr/>
+                    </a:p>
+                    <a:p>
+                      <a:pPr indent="0" lvl="0" marL="0" marR="0" rtl="0" algn="l">
+                        <a:lnSpc>
+                          <a:spcPct val="100000"/>
+                        </a:lnSpc>
+                        <a:spcBef>
+                          <a:spcPts val="0"/>
+                        </a:spcBef>
+                        <a:spcAft>
+                          <a:spcPts val="0"/>
+                        </a:spcAft>
+                        <a:buNone/>
+                      </a:pPr>
+                      <a:r>
+                        <a:t/>
+                      </a:r>
+                      <a:endParaRPr sz="1200"/>
+                    </a:p>
+                  </a:txBody>
+                  <a:tcPr marT="91425" marB="91425" marR="91425" marL="91425">
+                    <a:lnL cap="flat" cmpd="sng" w="9525">
+                      <a:solidFill>
+                        <a:schemeClr val="lt1"/>
+                      </a:solidFill>
+                      <a:prstDash val="solid"/>
+                      <a:round/>
+                      <a:headEnd len="sm" w="sm" type="none"/>
+                      <a:tailEnd len="sm" w="sm" type="none"/>
+                    </a:lnL>
+                    <a:lnR cap="flat" cmpd="sng" w="9525">
+                      <a:solidFill>
+                        <a:schemeClr val="lt1"/>
+                      </a:solidFill>
+                      <a:prstDash val="solid"/>
+                      <a:round/>
+                      <a:headEnd len="sm" w="sm" type="none"/>
+                      <a:tailEnd len="sm" w="sm" type="none"/>
+                    </a:lnR>
+                    <a:lnT cap="flat" cmpd="sng" w="9525">
+                      <a:solidFill>
+                        <a:schemeClr val="lt1"/>
+                      </a:solidFill>
+                      <a:prstDash val="solid"/>
+                      <a:round/>
+                      <a:headEnd len="sm" w="sm" type="none"/>
+                      <a:tailEnd len="sm" w="sm" type="none"/>
+                    </a:lnT>
+                    <a:lnB cap="flat" cmpd="sng" w="9525">
+                      <a:solidFill>
+                        <a:schemeClr val="lt1"/>
+                      </a:solidFill>
+                      <a:prstDash val="solid"/>
+                      <a:round/>
+                      <a:headEnd len="sm" w="sm" type="none"/>
+                      <a:tailEnd len="sm" w="sm" type="none"/>
+                    </a:lnB>
+                  </a:tcPr>
+                </a:tc>
+                <a:tc>
+                  <a:txBody>
+                    <a:bodyPr/>
+                    <a:lstStyle/>
+                    <a:p>
+                      <a:pPr indent="0" lvl="0" marL="457200" rtl="0" algn="l">
+                        <a:spcBef>
+                          <a:spcPts val="0"/>
+                        </a:spcBef>
+                        <a:spcAft>
+                          <a:spcPts val="0"/>
+                        </a:spcAft>
+                        <a:buNone/>
+                      </a:pPr>
+                      <a:r>
+                        <a:t/>
+                      </a:r>
+                      <a:endParaRPr/>
+                    </a:p>
+                    <a:p>
+                      <a:pPr indent="0" lvl="0" marL="457200" rtl="0" algn="l">
+                        <a:spcBef>
+                          <a:spcPts val="0"/>
+                        </a:spcBef>
+                        <a:spcAft>
+                          <a:spcPts val="0"/>
+                        </a:spcAft>
+                        <a:buNone/>
+                      </a:pPr>
+                      <a:r>
+                        <a:t/>
+                      </a:r>
+                      <a:endParaRPr/>
+                    </a:p>
+                    <a:p>
+                      <a:pPr indent="0" lvl="0" marL="457200" rtl="0" algn="l">
+                        <a:spcBef>
+                          <a:spcPts val="0"/>
+                        </a:spcBef>
+                        <a:spcAft>
+                          <a:spcPts val="0"/>
+                        </a:spcAft>
+                        <a:buNone/>
+                      </a:pPr>
+                      <a:r>
+                        <a:t/>
+                      </a:r>
+                      <a:endParaRPr/>
+                    </a:p>
+                    <a:p>
+                      <a:pPr indent="0" lvl="0" marL="457200" rtl="0" algn="l">
+                        <a:spcBef>
+                          <a:spcPts val="0"/>
+                        </a:spcBef>
+                        <a:spcAft>
+                          <a:spcPts val="0"/>
+                        </a:spcAft>
+                        <a:buNone/>
+                      </a:pPr>
+                      <a:r>
+                        <a:t/>
+                      </a:r>
+                      <a:endParaRPr/>
+                    </a:p>
+                    <a:p>
+                      <a:pPr indent="0" lvl="0" marL="457200" rtl="0" algn="l">
+                        <a:spcBef>
+                          <a:spcPts val="0"/>
+                        </a:spcBef>
+                        <a:spcAft>
+                          <a:spcPts val="0"/>
+                        </a:spcAft>
+                        <a:buNone/>
+                      </a:pPr>
+                      <a:r>
+                        <a:rPr lang="es-419"/>
+                        <a:t>En Java “todo es un objeto” a excepción de los tipos primitivos</a:t>
+                      </a:r>
+                      <a:endParaRPr/>
+                    </a:p>
+                    <a:p>
+                      <a:pPr indent="-228600" lvl="0" marL="457200" marR="0" rtl="0" algn="l">
+                        <a:lnSpc>
+                          <a:spcPct val="100000"/>
+                        </a:lnSpc>
+                        <a:spcBef>
+                          <a:spcPts val="0"/>
+                        </a:spcBef>
+                        <a:spcAft>
+                          <a:spcPts val="0"/>
+                        </a:spcAft>
+                        <a:buNone/>
+                      </a:pPr>
+                      <a:r>
+                        <a:t/>
+                      </a:r>
+                      <a:endParaRPr sz="1200"/>
+                    </a:p>
+                  </a:txBody>
+                  <a:tcPr marT="91425" marB="91425" marR="91425" marL="91425">
+                    <a:lnL cap="flat" cmpd="sng" w="9525">
+                      <a:solidFill>
+                        <a:schemeClr val="lt1"/>
+                      </a:solidFill>
+                      <a:prstDash val="solid"/>
+                      <a:round/>
+                      <a:headEnd len="sm" w="sm" type="none"/>
+                      <a:tailEnd len="sm" w="sm" type="none"/>
+                    </a:lnL>
+                    <a:lnR cap="flat" cmpd="sng" w="9525">
+                      <a:solidFill>
+                        <a:schemeClr val="lt1"/>
+                      </a:solidFill>
+                      <a:prstDash val="solid"/>
+                      <a:round/>
+                      <a:headEnd len="sm" w="sm" type="none"/>
+                      <a:tailEnd len="sm" w="sm" type="none"/>
+                    </a:lnR>
+                    <a:lnT cap="flat" cmpd="sng" w="9525">
+                      <a:solidFill>
+                        <a:schemeClr val="lt1"/>
+                      </a:solidFill>
+                      <a:prstDash val="solid"/>
+                      <a:round/>
+                      <a:headEnd len="sm" w="sm" type="none"/>
+                      <a:tailEnd len="sm" w="sm" type="none"/>
+                    </a:lnT>
+                    <a:lnB cap="flat" cmpd="sng" w="9525">
+                      <a:solidFill>
+                        <a:schemeClr val="lt1"/>
+                      </a:solidFill>
+                      <a:prstDash val="solid"/>
+                      <a:round/>
+                      <a:headEnd len="sm" w="sm" type="none"/>
+                      <a:tailEnd len="sm" w="sm" type="none"/>
+                    </a:lnB>
+                  </a:tcPr>
+                </a:tc>
+              </a:tr>
+              <a:tr h="1551875">
+                <a:tc>
+                  <a:txBody>
+                    <a:bodyPr/>
+                    <a:lstStyle/>
+                    <a:p>
+                      <a:pPr indent="0" lvl="0" marL="0" marR="0" rtl="0" algn="l">
+                        <a:lnSpc>
+                          <a:spcPct val="100000"/>
+                        </a:lnSpc>
+                        <a:spcBef>
+                          <a:spcPts val="0"/>
+                        </a:spcBef>
+                        <a:spcAft>
+                          <a:spcPts val="0"/>
+                        </a:spcAft>
+                        <a:buClr>
+                          <a:srgbClr val="000000"/>
+                        </a:buClr>
+                        <a:buSzPts val="1400"/>
+                        <a:buFont typeface="Arial"/>
+                        <a:buNone/>
+                      </a:pPr>
+                      <a:r>
+                        <a:rPr b="1" lang="es-419">
+                          <a:solidFill>
+                            <a:schemeClr val="lt1"/>
+                          </a:solidFill>
+                        </a:rPr>
+                        <a:t>Tipos Referencia</a:t>
+                      </a:r>
+                      <a:endParaRPr b="1" sz="1400" u="none" cap="none" strike="noStrike">
+                        <a:solidFill>
+                          <a:schemeClr val="lt1"/>
+                        </a:solidFill>
+                      </a:endParaRPr>
+                    </a:p>
+                  </a:txBody>
+                  <a:tcPr marT="91425" marB="91425" marR="91425" marL="91425">
+                    <a:lnR cap="flat" cmpd="sng" w="9525">
+                      <a:solidFill>
+                        <a:schemeClr val="lt1"/>
+                      </a:solidFill>
+                      <a:prstDash val="solid"/>
+                      <a:round/>
+                      <a:headEnd len="sm" w="sm" type="none"/>
+                      <a:tailEnd len="sm" w="sm" type="none"/>
+                    </a:lnR>
+                    <a:lnT cap="flat" cmpd="sng" w="9525">
+                      <a:solidFill>
+                        <a:schemeClr val="dk2"/>
+                      </a:solidFill>
+                      <a:prstDash val="solid"/>
+                      <a:round/>
+                      <a:headEnd len="sm" w="sm" type="none"/>
+                      <a:tailEnd len="sm" w="sm" type="none"/>
+                    </a:lnT>
+                    <a:solidFill>
+                      <a:schemeClr val="dk2"/>
+                    </a:solidFill>
+                  </a:tcPr>
+                </a:tc>
+                <a:tc>
+                  <a:txBody>
+                    <a:bodyPr/>
+                    <a:lstStyle/>
+                    <a:p>
+                      <a:pPr indent="-317500" lvl="0" marL="630000" marR="0" rtl="0" algn="l">
+                        <a:lnSpc>
+                          <a:spcPct val="100000"/>
+                        </a:lnSpc>
+                        <a:spcBef>
+                          <a:spcPts val="0"/>
+                        </a:spcBef>
+                        <a:spcAft>
+                          <a:spcPts val="0"/>
+                        </a:spcAft>
+                        <a:buClr>
+                          <a:srgbClr val="000000"/>
+                        </a:buClr>
+                        <a:buSzPts val="1400"/>
+                        <a:buFont typeface="Arial"/>
+                        <a:buChar char="●"/>
+                      </a:pPr>
+                      <a:r>
+                        <a:rPr lang="es-419"/>
+                        <a:t>Objetos, creados a partir de una clase (se puede ver como un “molde” o “plantilla” para crear objetos)</a:t>
+                      </a:r>
+                      <a:endParaRPr/>
+                    </a:p>
+                    <a:p>
+                      <a:pPr indent="-317500" lvl="0" marL="630000" marR="0" rtl="0" algn="l">
+                        <a:lnSpc>
+                          <a:spcPct val="100000"/>
+                        </a:lnSpc>
+                        <a:spcBef>
+                          <a:spcPts val="0"/>
+                        </a:spcBef>
+                        <a:spcAft>
+                          <a:spcPts val="0"/>
+                        </a:spcAft>
+                        <a:buSzPts val="1400"/>
+                        <a:buChar char="●"/>
+                      </a:pPr>
+                      <a:r>
+                        <a:rPr lang="es-419"/>
+                        <a:t>La base de la jerarquía de objetos es la clase Object</a:t>
+                      </a:r>
+                      <a:endParaRPr/>
+                    </a:p>
+                    <a:p>
+                      <a:pPr indent="0" lvl="0" marL="630000" marR="0" rtl="0" algn="l">
+                        <a:lnSpc>
+                          <a:spcPct val="100000"/>
+                        </a:lnSpc>
+                        <a:spcBef>
+                          <a:spcPts val="0"/>
+                        </a:spcBef>
+                        <a:spcAft>
+                          <a:spcPts val="0"/>
+                        </a:spcAft>
+                        <a:buNone/>
+                      </a:pPr>
+                      <a:r>
+                        <a:t/>
+                      </a:r>
+                      <a:endParaRPr sz="1400" u="none" cap="none" strike="noStrike"/>
+                    </a:p>
+                  </a:txBody>
+                  <a:tcPr marT="91425" marB="91425" marR="91425" marL="91425">
+                    <a:lnL cap="flat" cmpd="sng" w="9525">
+                      <a:solidFill>
+                        <a:schemeClr val="lt1"/>
+                      </a:solidFill>
+                      <a:prstDash val="solid"/>
+                      <a:round/>
+                      <a:headEnd len="sm" w="sm" type="none"/>
+                      <a:tailEnd len="sm" w="sm" type="none"/>
+                    </a:lnL>
+                    <a:lnR cap="flat" cmpd="sng" w="9525">
+                      <a:solidFill>
+                        <a:srgbClr val="9E9E9E"/>
+                      </a:solidFill>
+                      <a:prstDash val="solid"/>
+                      <a:round/>
+                      <a:headEnd len="sm" w="sm" type="none"/>
+                      <a:tailEnd len="sm" w="sm" type="none"/>
+                    </a:lnR>
+                    <a:lnT cap="flat" cmpd="sng" w="9525">
+                      <a:solidFill>
+                        <a:schemeClr val="lt1"/>
+                      </a:solidFill>
+                      <a:prstDash val="solid"/>
+                      <a:round/>
+                      <a:headEnd len="sm" w="sm" type="none"/>
+                      <a:tailEnd len="sm" w="sm" type="none"/>
+                    </a:lnT>
+                    <a:lnB cap="flat" cmpd="sng" w="9525">
+                      <a:solidFill>
+                        <a:schemeClr val="lt1"/>
+                      </a:solidFill>
+                      <a:prstDash val="solid"/>
+                      <a:round/>
+                      <a:headEnd len="sm" w="sm" type="none"/>
+                      <a:tailEnd len="sm" w="sm" type="none"/>
+                    </a:lnB>
+                  </a:tcPr>
+                </a:tc>
+                <a:tc>
+                  <a:txBody>
+                    <a:bodyPr/>
+                    <a:lstStyle/>
+                    <a:p>
+                      <a:pPr indent="-317500" lvl="0" marL="457200" marR="0" rtl="0" algn="l">
+                        <a:lnSpc>
+                          <a:spcPct val="100000"/>
+                        </a:lnSpc>
+                        <a:spcBef>
+                          <a:spcPts val="0"/>
+                        </a:spcBef>
+                        <a:spcAft>
+                          <a:spcPts val="0"/>
+                        </a:spcAft>
+                        <a:buClr>
+                          <a:srgbClr val="000000"/>
+                        </a:buClr>
+                        <a:buSzPts val="1400"/>
+                        <a:buFont typeface="Arial"/>
+                        <a:buChar char="●"/>
+                      </a:pPr>
+                      <a:r>
+                        <a:rPr lang="es-419"/>
+                        <a:t>Clases</a:t>
+                      </a:r>
+                      <a:endParaRPr/>
+                    </a:p>
+                    <a:p>
+                      <a:pPr indent="-317500" lvl="1" marL="914400" marR="0" rtl="0" algn="l">
+                        <a:lnSpc>
+                          <a:spcPct val="100000"/>
+                        </a:lnSpc>
+                        <a:spcBef>
+                          <a:spcPts val="0"/>
+                        </a:spcBef>
+                        <a:spcAft>
+                          <a:spcPts val="0"/>
+                        </a:spcAft>
+                        <a:buClr>
+                          <a:srgbClr val="000000"/>
+                        </a:buClr>
+                        <a:buSzPts val="1400"/>
+                        <a:buFont typeface="Arial"/>
+                        <a:buChar char="○"/>
+                      </a:pPr>
+                      <a:r>
+                        <a:rPr lang="es-419"/>
+                        <a:t>String</a:t>
+                      </a:r>
+                      <a:endParaRPr/>
+                    </a:p>
+                    <a:p>
+                      <a:pPr indent="-317500" lvl="1" marL="914400" marR="0" rtl="0" algn="l">
+                        <a:lnSpc>
+                          <a:spcPct val="100000"/>
+                        </a:lnSpc>
+                        <a:spcBef>
+                          <a:spcPts val="0"/>
+                        </a:spcBef>
+                        <a:spcAft>
+                          <a:spcPts val="0"/>
+                        </a:spcAft>
+                        <a:buSzPts val="1400"/>
+                        <a:buChar char="○"/>
+                      </a:pPr>
+                      <a:r>
+                        <a:rPr lang="es-419"/>
+                        <a:t>File</a:t>
+                      </a:r>
+                      <a:endParaRPr/>
+                    </a:p>
+                    <a:p>
+                      <a:pPr indent="-317500" lvl="1" marL="914400" marR="0" rtl="0" algn="l">
+                        <a:lnSpc>
+                          <a:spcPct val="100000"/>
+                        </a:lnSpc>
+                        <a:spcBef>
+                          <a:spcPts val="0"/>
+                        </a:spcBef>
+                        <a:spcAft>
+                          <a:spcPts val="0"/>
+                        </a:spcAft>
+                        <a:buSzPts val="1400"/>
+                        <a:buChar char="○"/>
+                      </a:pPr>
+                      <a:r>
+                        <a:rPr lang="es-419"/>
+                        <a:t>Date</a:t>
+                      </a:r>
+                      <a:endParaRPr/>
+                    </a:p>
+                    <a:p>
+                      <a:pPr indent="-317500" lvl="1" marL="914400" marR="0" rtl="0" algn="l">
+                        <a:lnSpc>
+                          <a:spcPct val="100000"/>
+                        </a:lnSpc>
+                        <a:spcBef>
+                          <a:spcPts val="0"/>
+                        </a:spcBef>
+                        <a:spcAft>
+                          <a:spcPts val="0"/>
+                        </a:spcAft>
+                        <a:buSzPts val="1400"/>
+                        <a:buChar char="○"/>
+                      </a:pPr>
+                      <a:r>
+                        <a:rPr lang="es-419"/>
+                        <a:t>etc, etc, etc</a:t>
+                      </a:r>
+                      <a:endParaRPr/>
+                    </a:p>
+                    <a:p>
+                      <a:pPr indent="-317500" lvl="0" marL="457200" marR="0" rtl="0" algn="l">
+                        <a:lnSpc>
+                          <a:spcPct val="100000"/>
+                        </a:lnSpc>
+                        <a:spcBef>
+                          <a:spcPts val="0"/>
+                        </a:spcBef>
+                        <a:spcAft>
+                          <a:spcPts val="0"/>
+                        </a:spcAft>
+                        <a:buSzPts val="1400"/>
+                        <a:buChar char="●"/>
+                      </a:pPr>
+                      <a:r>
+                        <a:rPr lang="es-419"/>
+                        <a:t>Tipos interfaces</a:t>
+                      </a:r>
+                      <a:endParaRPr/>
+                    </a:p>
+                    <a:p>
+                      <a:pPr indent="-317500" lvl="0" marL="457200" marR="0" rtl="0" algn="l">
+                        <a:lnSpc>
+                          <a:spcPct val="100000"/>
+                        </a:lnSpc>
+                        <a:spcBef>
+                          <a:spcPts val="0"/>
+                        </a:spcBef>
+                        <a:spcAft>
+                          <a:spcPts val="0"/>
+                        </a:spcAft>
+                        <a:buSzPts val="1400"/>
+                        <a:buChar char="●"/>
+                      </a:pPr>
+                      <a:r>
+                        <a:rPr lang="es-419"/>
+                        <a:t>Tipos Arrays</a:t>
+                      </a:r>
+                      <a:endParaRPr/>
+                    </a:p>
+                    <a:p>
+                      <a:pPr indent="0" lvl="0" marL="0" marR="0" rtl="0" algn="l">
+                        <a:lnSpc>
+                          <a:spcPct val="100000"/>
+                        </a:lnSpc>
+                        <a:spcBef>
+                          <a:spcPts val="0"/>
+                        </a:spcBef>
+                        <a:spcAft>
+                          <a:spcPts val="0"/>
+                        </a:spcAft>
+                        <a:buNone/>
+                      </a:pPr>
+                      <a:r>
+                        <a:t/>
+                      </a:r>
+                      <a:endParaRPr sz="1200"/>
                     </a:p>
                     <a:p>
                       <a:pPr indent="0" lvl="0" marL="0" marR="0" rtl="0" algn="l">
@@ -12324,7 +13405,7 @@
                     </a:lnL>
                     <a:lnR cap="flat" cmpd="sng" w="9525">
                       <a:solidFill>
-                        <a:srgbClr val="9E9E9E"/>
+                        <a:schemeClr val="lt1"/>
                       </a:solidFill>
                       <a:prstDash val="solid"/>
                       <a:round/>
@@ -12333,7 +13414,7 @@
                     </a:lnR>
                     <a:lnT cap="flat" cmpd="sng" w="9525">
                       <a:solidFill>
-                        <a:srgbClr val="9E9E9E"/>
+                        <a:schemeClr val="lt1"/>
                       </a:solidFill>
                       <a:prstDash val="solid"/>
                       <a:round/>
@@ -12342,7 +13423,7 @@
                     </a:lnT>
                     <a:lnB cap="flat" cmpd="sng" w="9525">
                       <a:solidFill>
-                        <a:srgbClr val="9E9E9E"/>
+                        <a:schemeClr val="lt1"/>
                       </a:solidFill>
                       <a:prstDash val="solid"/>
                       <a:round/>
@@ -12356,6 +13437,116 @@
           </a:graphicData>
         </a:graphic>
       </p:graphicFrame>
+      <p:sp>
+        <p:nvSpPr>
+          <p:cNvPr id="86" name="Google Shape;86;p17"/>
+          <p:cNvSpPr/>
+          <p:nvPr/>
+        </p:nvSpPr>
+        <p:spPr>
+          <a:xfrm>
+            <a:off x="2611375" y="2830600"/>
+            <a:ext cx="362100" cy="1395300"/>
+          </a:xfrm>
+          <a:prstGeom prst="leftBrace">
+            <a:avLst>
+              <a:gd fmla="val 50000" name="adj1"/>
+              <a:gd fmla="val 50000" name="adj2"/>
+            </a:avLst>
+          </a:prstGeom>
+          <a:noFill/>
+          <a:ln cap="flat" cmpd="sng" w="28575">
+            <a:solidFill>
+              <a:schemeClr val="dk2"/>
+            </a:solidFill>
+            <a:prstDash val="solid"/>
+            <a:round/>
+            <a:headEnd len="sm" w="sm" type="none"/>
+            <a:tailEnd len="sm" w="sm" type="none"/>
+          </a:ln>
+        </p:spPr>
+        <p:txBody>
+          <a:bodyPr anchorCtr="0" anchor="ctr" bIns="91425" lIns="91425" spcFirstLastPara="1" rIns="91425" wrap="square" tIns="91425">
+            <a:noAutofit/>
+          </a:bodyPr>
+          <a:lstStyle/>
+          <a:p>
+            <a:pPr indent="0" lvl="0" marL="0" rtl="0" algn="ctr">
+              <a:spcBef>
+                <a:spcPts val="0"/>
+              </a:spcBef>
+              <a:spcAft>
+                <a:spcPts val="0"/>
+              </a:spcAft>
+              <a:buNone/>
+            </a:pPr>
+            <a:r>
+              <a:t/>
+            </a:r>
+            <a:endParaRPr>
+              <a:latin typeface="Proxima Nova"/>
+              <a:ea typeface="Proxima Nova"/>
+              <a:cs typeface="Proxima Nova"/>
+              <a:sym typeface="Proxima Nova"/>
+            </a:endParaRPr>
+          </a:p>
+        </p:txBody>
+      </p:sp>
+      <p:sp>
+        <p:nvSpPr>
+          <p:cNvPr id="87" name="Google Shape;87;p17"/>
+          <p:cNvSpPr/>
+          <p:nvPr/>
+        </p:nvSpPr>
+        <p:spPr>
+          <a:xfrm>
+            <a:off x="2602150" y="1285025"/>
+            <a:ext cx="362100" cy="1395300"/>
+          </a:xfrm>
+          <a:prstGeom prst="leftBrace">
+            <a:avLst>
+              <a:gd fmla="val 50000" name="adj1"/>
+              <a:gd fmla="val 50000" name="adj2"/>
+            </a:avLst>
+          </a:prstGeom>
+          <a:noFill/>
+          <a:ln cap="flat" cmpd="sng" w="28575">
+            <a:solidFill>
+              <a:schemeClr val="dk2"/>
+            </a:solidFill>
+            <a:prstDash val="solid"/>
+            <a:round/>
+            <a:headEnd len="sm" w="sm" type="none"/>
+            <a:tailEnd len="sm" w="sm" type="none"/>
+          </a:ln>
+        </p:spPr>
+        <p:txBody>
+          <a:bodyPr anchorCtr="0" anchor="ctr" bIns="91425" lIns="91425" spcFirstLastPara="1" rIns="91425" wrap="square" tIns="91425">
+            <a:noAutofit/>
+          </a:bodyPr>
+          <a:lstStyle/>
+          <a:p>
+            <a:pPr indent="0" lvl="0" marL="0" rtl="0" algn="ctr">
+              <a:spcBef>
+                <a:spcPts val="0"/>
+              </a:spcBef>
+              <a:spcAft>
+                <a:spcPts val="0"/>
+              </a:spcAft>
+              <a:buNone/>
+            </a:pPr>
+            <a:r>
+              <a:t/>
+            </a:r>
+            <a:endParaRPr>
+              <a:latin typeface="Proxima Nova"/>
+              <a:ea typeface="Proxima Nova"/>
+              <a:cs typeface="Proxima Nova"/>
+              <a:sym typeface="Proxima Nova"/>
+            </a:endParaRPr>
+          </a:p>
+        </p:txBody>
+      </p:sp>
     </p:spTree>
   </p:cSld>
   <p:clrMapOvr>
@@ -12364,12 +13555,12 @@
 </p:sld>
 </file>
 
-<file path=ppt/slides/slide5.xml><?xml version="1.0" encoding="utf-8"?>
+<file path=ppt/slides/slide6.xml><?xml version="1.0" encoding="utf-8"?>
 <p:sld xmlns:a="http://schemas.openxmlformats.org/drawingml/2006/main" xmlns:r="http://schemas.openxmlformats.org/officeDocument/2006/relationships" xmlns:mc="http://schemas.openxmlformats.org/markup-compatibility/2006" xmlns:mv="urn:schemas-microsoft-com:mac:vml" xmlns:p="http://schemas.openxmlformats.org/presentationml/2006/main" xmlns:c="http://schemas.openxmlformats.org/drawingml/2006/chart" xmlns:dgm="http://schemas.openxmlformats.org/drawingml/2006/diagram" xmlns:o="urn:schemas-microsoft-com:office:office" xmlns:v="urn:schemas-microsoft-com:vml" xmlns:pvml="urn:schemas-microsoft-com:office:powerpoint" xmlns:com="http://schemas.openxmlformats.org/drawingml/2006/compatibility" xmlns:p14="http://schemas.microsoft.com/office/powerpoint/2010/main" xmlns:p15="http://schemas.microsoft.com/office/powerpoint/2012/main" xmlns:ahyp="http://schemas.microsoft.com/office/drawing/2018/hyperlinkcolor">
   <p:cSld>
     <p:spTree>
       <p:nvGrpSpPr>
-        <p:cNvPr id="81" name="Shape 81"/>
+        <p:cNvPr id="91" name="Shape 91"/>
         <p:cNvGrpSpPr/>
         <p:nvPr/>
       </p:nvGrpSpPr>
@@ -12383,7 +13574,7 @@
       </p:grpSpPr>
       <p:sp>
         <p:nvSpPr>
-          <p:cNvPr id="82" name="Google Shape;82;p17"/>
+          <p:cNvPr id="92" name="Google Shape;92;p18"/>
           <p:cNvSpPr txBox="1"/>
           <p:nvPr>
             <p:ph type="title"/>
@@ -12415,684 +13606,153 @@
             </a:pPr>
             <a:r>
               <a:rPr lang="es-419"/>
-              <a:t>Tipos de datos en Java</a:t>
+              <a:t>Expresiones aritmético lógicas</a:t>
             </a:r>
             <a:endParaRPr/>
           </a:p>
         </p:txBody>
       </p:sp>
-      <p:graphicFrame>
-        <p:nvGraphicFramePr>
-          <p:cNvPr id="83" name="Google Shape;83;p17"/>
-          <p:cNvGraphicFramePr/>
-          <p:nvPr/>
-        </p:nvGraphicFramePr>
-        <p:xfrm>
-          <a:off x="266675" y="1285025"/>
-          <a:ext cx="3000000" cy="3000000"/>
-        </p:xfrm>
-        <a:graphic>
-          <a:graphicData uri="http://schemas.openxmlformats.org/drawingml/2006/table">
-            <a:tbl>
-              <a:tblPr>
-                <a:noFill/>
-                <a:tableStyleId>{D0BBC23A-0F8A-451F-ACCF-DA9512B8C74F}</a:tableStyleId>
-              </a:tblPr>
-              <a:tblGrid>
-                <a:gridCol w="2268500"/>
-                <a:gridCol w="3171075"/>
-                <a:gridCol w="3171075"/>
-              </a:tblGrid>
-              <a:tr h="1551825">
-                <a:tc>
-                  <a:txBody>
-                    <a:bodyPr/>
-                    <a:lstStyle/>
-                    <a:p>
-                      <a:pPr indent="0" lvl="0" marL="0" marR="0" rtl="0" algn="l">
-                        <a:lnSpc>
-                          <a:spcPct val="100000"/>
-                        </a:lnSpc>
-                        <a:spcBef>
-                          <a:spcPts val="0"/>
-                        </a:spcBef>
-                        <a:spcAft>
-                          <a:spcPts val="0"/>
-                        </a:spcAft>
-                        <a:buClr>
-                          <a:srgbClr val="000000"/>
-                        </a:buClr>
-                        <a:buSzPts val="1400"/>
-                        <a:buFont typeface="Arial"/>
-                        <a:buNone/>
-                      </a:pPr>
-                      <a:r>
-                        <a:rPr b="1" lang="es-419">
-                          <a:solidFill>
-                            <a:schemeClr val="lt1"/>
-                          </a:solidFill>
-                        </a:rPr>
-                        <a:t>Tipos Primitivos</a:t>
-                      </a:r>
-                      <a:endParaRPr b="1" sz="1400" u="none" cap="none" strike="noStrike">
-                        <a:solidFill>
-                          <a:schemeClr val="lt1"/>
-                        </a:solidFill>
-                      </a:endParaRPr>
-                    </a:p>
-                  </a:txBody>
-                  <a:tcPr marT="91425" marB="91425" marR="91425" marL="91425">
-                    <a:solidFill>
-                      <a:schemeClr val="dk2"/>
-                    </a:solidFill>
-                  </a:tcPr>
-                </a:tc>
-                <a:tc>
-                  <a:txBody>
-                    <a:bodyPr/>
-                    <a:lstStyle/>
-                    <a:p>
-                      <a:pPr indent="-304800" lvl="0" marL="457200" rtl="0" algn="l">
-                        <a:spcBef>
-                          <a:spcPts val="0"/>
-                        </a:spcBef>
-                        <a:spcAft>
-                          <a:spcPts val="0"/>
-                        </a:spcAft>
-                        <a:buSzPts val="1200"/>
-                        <a:buChar char="●"/>
-                      </a:pPr>
-                      <a:r>
-                        <a:rPr lang="es-419" sz="1200"/>
-                        <a:t>byte </a:t>
-                      </a:r>
-                      <a:endParaRPr sz="1200"/>
-                    </a:p>
-                    <a:p>
-                      <a:pPr indent="-304800" lvl="0" marL="457200" rtl="0" algn="l">
-                        <a:spcBef>
-                          <a:spcPts val="0"/>
-                        </a:spcBef>
-                        <a:spcAft>
-                          <a:spcPts val="0"/>
-                        </a:spcAft>
-                        <a:buSzPts val="1200"/>
-                        <a:buChar char="●"/>
-                      </a:pPr>
-                      <a:r>
-                        <a:rPr lang="es-419" sz="1200"/>
-                        <a:t>short </a:t>
-                      </a:r>
-                      <a:endParaRPr sz="1200"/>
-                    </a:p>
-                    <a:p>
-                      <a:pPr indent="-304800" lvl="0" marL="457200" rtl="0" algn="l">
-                        <a:spcBef>
-                          <a:spcPts val="0"/>
-                        </a:spcBef>
-                        <a:spcAft>
-                          <a:spcPts val="0"/>
-                        </a:spcAft>
-                        <a:buSzPts val="1200"/>
-                        <a:buChar char="●"/>
-                      </a:pPr>
-                      <a:r>
-                        <a:rPr lang="es-419" sz="1200"/>
-                        <a:t>int </a:t>
-                      </a:r>
-                      <a:endParaRPr sz="1200"/>
-                    </a:p>
-                    <a:p>
-                      <a:pPr indent="-304800" lvl="0" marL="457200" rtl="0" algn="l">
-                        <a:spcBef>
-                          <a:spcPts val="0"/>
-                        </a:spcBef>
-                        <a:spcAft>
-                          <a:spcPts val="0"/>
-                        </a:spcAft>
-                        <a:buSzPts val="1200"/>
-                        <a:buChar char="●"/>
-                      </a:pPr>
-                      <a:r>
-                        <a:rPr lang="es-419" sz="1200"/>
-                        <a:t>long </a:t>
-                      </a:r>
-                      <a:endParaRPr sz="1200"/>
-                    </a:p>
-                    <a:p>
-                      <a:pPr indent="-304800" lvl="0" marL="457200" rtl="0" algn="l">
-                        <a:spcBef>
-                          <a:spcPts val="0"/>
-                        </a:spcBef>
-                        <a:spcAft>
-                          <a:spcPts val="0"/>
-                        </a:spcAft>
-                        <a:buSzPts val="1200"/>
-                        <a:buChar char="●"/>
-                      </a:pPr>
-                      <a:r>
-                        <a:rPr lang="es-419" sz="1200"/>
-                        <a:t>char</a:t>
-                      </a:r>
-                      <a:endParaRPr sz="1200"/>
-                    </a:p>
-                    <a:p>
-                      <a:pPr indent="-304800" lvl="0" marL="457200" rtl="0" algn="l">
-                        <a:spcBef>
-                          <a:spcPts val="0"/>
-                        </a:spcBef>
-                        <a:spcAft>
-                          <a:spcPts val="0"/>
-                        </a:spcAft>
-                        <a:buSzPts val="1200"/>
-                        <a:buChar char="●"/>
-                      </a:pPr>
-                      <a:r>
-                        <a:rPr lang="es-419" sz="1200"/>
-                        <a:t>float </a:t>
-                      </a:r>
-                      <a:endParaRPr sz="1200"/>
-                    </a:p>
-                    <a:p>
-                      <a:pPr indent="-304800" lvl="0" marL="457200" rtl="0" algn="l">
-                        <a:spcBef>
-                          <a:spcPts val="0"/>
-                        </a:spcBef>
-                        <a:spcAft>
-                          <a:spcPts val="0"/>
-                        </a:spcAft>
-                        <a:buSzPts val="1200"/>
-                        <a:buChar char="●"/>
-                      </a:pPr>
-                      <a:r>
-                        <a:rPr lang="es-419" sz="1200"/>
-                        <a:t>double</a:t>
-                      </a:r>
-                      <a:endParaRPr sz="1200"/>
-                    </a:p>
-                    <a:p>
-                      <a:pPr indent="0" lvl="0" marL="0" marR="0" rtl="0" algn="l">
-                        <a:lnSpc>
-                          <a:spcPct val="100000"/>
-                        </a:lnSpc>
-                        <a:spcBef>
-                          <a:spcPts val="0"/>
-                        </a:spcBef>
-                        <a:spcAft>
-                          <a:spcPts val="0"/>
-                        </a:spcAft>
-                        <a:buNone/>
-                      </a:pPr>
-                      <a:r>
-                        <a:t/>
-                      </a:r>
-                      <a:endParaRPr sz="1200"/>
-                    </a:p>
-                  </a:txBody>
-                  <a:tcPr marT="91425" marB="91425" marR="91425" marL="91425">
-                    <a:lnB cap="flat" cmpd="sng" w="9525">
-                      <a:solidFill>
-                        <a:srgbClr val="9E9E9E"/>
-                      </a:solidFill>
-                      <a:prstDash val="solid"/>
-                      <a:round/>
-                      <a:headEnd len="sm" w="sm" type="none"/>
-                      <a:tailEnd len="sm" w="sm" type="none"/>
-                    </a:lnB>
-                  </a:tcPr>
-                </a:tc>
-                <a:tc>
-                  <a:txBody>
-                    <a:bodyPr/>
-                    <a:lstStyle/>
-                    <a:p>
-                      <a:pPr indent="-228600" lvl="0" marL="457200" marR="0" rtl="0" algn="l">
-                        <a:lnSpc>
-                          <a:spcPct val="100000"/>
-                        </a:lnSpc>
-                        <a:spcBef>
-                          <a:spcPts val="0"/>
-                        </a:spcBef>
-                        <a:spcAft>
-                          <a:spcPts val="0"/>
-                        </a:spcAft>
-                        <a:buNone/>
-                      </a:pPr>
-                      <a:r>
-                        <a:t/>
-                      </a:r>
-                      <a:endParaRPr sz="1200" u="none" cap="none" strike="noStrike"/>
-                    </a:p>
-                  </a:txBody>
-                  <a:tcPr marT="91425" marB="91425" marR="91425" marL="91425">
-                    <a:lnB cap="flat" cmpd="sng" w="9525">
-                      <a:solidFill>
-                        <a:srgbClr val="9E9E9E"/>
-                      </a:solidFill>
-                      <a:prstDash val="solid"/>
-                      <a:round/>
-                      <a:headEnd len="sm" w="sm" type="none"/>
-                      <a:tailEnd len="sm" w="sm" type="none"/>
-                    </a:lnB>
-                  </a:tcPr>
-                </a:tc>
-              </a:tr>
-              <a:tr h="1551875">
-                <a:tc>
-                  <a:txBody>
-                    <a:bodyPr/>
-                    <a:lstStyle/>
-                    <a:p>
-                      <a:pPr indent="0" lvl="0" marL="0" marR="0" rtl="0" algn="l">
-                        <a:lnSpc>
-                          <a:spcPct val="100000"/>
-                        </a:lnSpc>
-                        <a:spcBef>
-                          <a:spcPts val="0"/>
-                        </a:spcBef>
-                        <a:spcAft>
-                          <a:spcPts val="0"/>
-                        </a:spcAft>
-                        <a:buClr>
-                          <a:srgbClr val="000000"/>
-                        </a:buClr>
-                        <a:buSzPts val="1400"/>
-                        <a:buFont typeface="Arial"/>
-                        <a:buNone/>
-                      </a:pPr>
-                      <a:r>
-                        <a:rPr b="1" lang="es-419">
-                          <a:solidFill>
-                            <a:schemeClr val="lt1"/>
-                          </a:solidFill>
-                        </a:rPr>
-                        <a:t>Tipos Referencia</a:t>
-                      </a:r>
-                      <a:endParaRPr b="1" sz="1400" u="none" cap="none" strike="noStrike">
-                        <a:solidFill>
-                          <a:schemeClr val="lt1"/>
-                        </a:solidFill>
-                      </a:endParaRPr>
-                    </a:p>
-                  </a:txBody>
-                  <a:tcPr marT="91425" marB="91425" marR="91425" marL="91425">
-                    <a:lnR cap="flat" cmpd="sng" w="9525">
-                      <a:solidFill>
-                        <a:srgbClr val="9E9E9E"/>
-                      </a:solidFill>
-                      <a:prstDash val="solid"/>
-                      <a:round/>
-                      <a:headEnd len="sm" w="sm" type="none"/>
-                      <a:tailEnd len="sm" w="sm" type="none"/>
-                    </a:lnR>
-                    <a:solidFill>
-                      <a:schemeClr val="dk2"/>
-                    </a:solidFill>
-                  </a:tcPr>
-                </a:tc>
-                <a:tc>
-                  <a:txBody>
-                    <a:bodyPr/>
-                    <a:lstStyle/>
-                    <a:p>
-                      <a:pPr indent="-304800" lvl="0" marL="457200" marR="0" rtl="0" algn="l">
-                        <a:lnSpc>
-                          <a:spcPct val="100000"/>
-                        </a:lnSpc>
-                        <a:spcBef>
-                          <a:spcPts val="0"/>
-                        </a:spcBef>
-                        <a:spcAft>
-                          <a:spcPts val="0"/>
-                        </a:spcAft>
-                        <a:buClr>
-                          <a:srgbClr val="000000"/>
-                        </a:buClr>
-                        <a:buSzPts val="1200"/>
-                        <a:buFont typeface="Arial"/>
-                        <a:buChar char="●"/>
-                      </a:pPr>
-                      <a:r>
-                        <a:rPr lang="es-419" sz="1200"/>
-                        <a:t>Objetos, creados a partir de una clase (se puede ver como un “molde” o “plantilla” para crear objetos)</a:t>
-                      </a:r>
-                      <a:endParaRPr sz="1200"/>
-                    </a:p>
-                    <a:p>
-                      <a:pPr indent="-304800" lvl="0" marL="457200" marR="0" rtl="0" algn="l">
-                        <a:lnSpc>
-                          <a:spcPct val="100000"/>
-                        </a:lnSpc>
-                        <a:spcBef>
-                          <a:spcPts val="0"/>
-                        </a:spcBef>
-                        <a:spcAft>
-                          <a:spcPts val="0"/>
-                        </a:spcAft>
-                        <a:buSzPts val="1200"/>
-                        <a:buChar char="●"/>
-                      </a:pPr>
-                      <a:r>
-                        <a:rPr lang="es-419" sz="1200"/>
-                        <a:t>La base de la jerarquía de objetos es la clase Object</a:t>
-                      </a:r>
-                      <a:endParaRPr sz="1200"/>
-                    </a:p>
-                    <a:p>
-                      <a:pPr indent="0" lvl="0" marL="457200" marR="0" rtl="0" algn="l">
-                        <a:lnSpc>
-                          <a:spcPct val="100000"/>
-                        </a:lnSpc>
-                        <a:spcBef>
-                          <a:spcPts val="0"/>
-                        </a:spcBef>
-                        <a:spcAft>
-                          <a:spcPts val="0"/>
-                        </a:spcAft>
-                        <a:buNone/>
-                      </a:pPr>
-                      <a:r>
-                        <a:t/>
-                      </a:r>
-                      <a:endParaRPr sz="1400" u="none" cap="none" strike="noStrike"/>
-                    </a:p>
-                  </a:txBody>
-                  <a:tcPr marT="91425" marB="91425" marR="91425" marL="91425">
-                    <a:lnL cap="flat" cmpd="sng" w="9525">
-                      <a:solidFill>
-                        <a:srgbClr val="9E9E9E"/>
-                      </a:solidFill>
-                      <a:prstDash val="solid"/>
-                      <a:round/>
-                      <a:headEnd len="sm" w="sm" type="none"/>
-                      <a:tailEnd len="sm" w="sm" type="none"/>
-                    </a:lnL>
-                    <a:lnR cap="flat" cmpd="sng" w="9525">
-                      <a:solidFill>
-                        <a:srgbClr val="9E9E9E"/>
-                      </a:solidFill>
-                      <a:prstDash val="solid"/>
-                      <a:round/>
-                      <a:headEnd len="sm" w="sm" type="none"/>
-                      <a:tailEnd len="sm" w="sm" type="none"/>
-                    </a:lnR>
-                    <a:lnT cap="flat" cmpd="sng" w="9525">
-                      <a:solidFill>
-                        <a:srgbClr val="9E9E9E"/>
-                      </a:solidFill>
-                      <a:prstDash val="solid"/>
-                      <a:round/>
-                      <a:headEnd len="sm" w="sm" type="none"/>
-                      <a:tailEnd len="sm" w="sm" type="none"/>
-                    </a:lnT>
-                    <a:lnB cap="flat" cmpd="sng" w="9525">
-                      <a:solidFill>
-                        <a:srgbClr val="9E9E9E"/>
-                      </a:solidFill>
-                      <a:prstDash val="solid"/>
-                      <a:round/>
-                      <a:headEnd len="sm" w="sm" type="none"/>
-                      <a:tailEnd len="sm" w="sm" type="none"/>
-                    </a:lnB>
-                  </a:tcPr>
-                </a:tc>
-                <a:tc>
-                  <a:txBody>
-                    <a:bodyPr/>
-                    <a:lstStyle/>
-                    <a:p>
-                      <a:pPr indent="0" lvl="0" marL="457200" marR="0" rtl="0" algn="l">
-                        <a:lnSpc>
-                          <a:spcPct val="100000"/>
-                        </a:lnSpc>
-                        <a:spcBef>
-                          <a:spcPts val="0"/>
-                        </a:spcBef>
-                        <a:spcAft>
-                          <a:spcPts val="0"/>
-                        </a:spcAft>
-                        <a:buNone/>
-                      </a:pPr>
-                      <a:r>
-                        <a:rPr lang="es-419" sz="1200"/>
-                        <a:t>En Java “todo es un objeto” a excepción de los tipos primitivos</a:t>
-                      </a:r>
-                      <a:endParaRPr sz="1200"/>
-                    </a:p>
-                    <a:p>
-                      <a:pPr indent="-304800" lvl="0" marL="457200" marR="0" rtl="0" algn="l">
-                        <a:lnSpc>
-                          <a:spcPct val="100000"/>
-                        </a:lnSpc>
-                        <a:spcBef>
-                          <a:spcPts val="0"/>
-                        </a:spcBef>
-                        <a:spcAft>
-                          <a:spcPts val="0"/>
-                        </a:spcAft>
-                        <a:buClr>
-                          <a:srgbClr val="000000"/>
-                        </a:buClr>
-                        <a:buSzPts val="1200"/>
-                        <a:buFont typeface="Arial"/>
-                        <a:buChar char="●"/>
-                      </a:pPr>
-                      <a:r>
-                        <a:rPr lang="es-419" sz="1200"/>
-                        <a:t>Clases</a:t>
-                      </a:r>
-                      <a:endParaRPr sz="1200"/>
-                    </a:p>
-                    <a:p>
-                      <a:pPr indent="-304800" lvl="1" marL="914400" marR="0" rtl="0" algn="l">
-                        <a:lnSpc>
-                          <a:spcPct val="100000"/>
-                        </a:lnSpc>
-                        <a:spcBef>
-                          <a:spcPts val="0"/>
-                        </a:spcBef>
-                        <a:spcAft>
-                          <a:spcPts val="0"/>
-                        </a:spcAft>
-                        <a:buClr>
-                          <a:srgbClr val="000000"/>
-                        </a:buClr>
-                        <a:buSzPts val="1200"/>
-                        <a:buFont typeface="Arial"/>
-                        <a:buChar char="○"/>
-                      </a:pPr>
-                      <a:r>
-                        <a:rPr lang="es-419" sz="1200"/>
-                        <a:t>String</a:t>
-                      </a:r>
-                      <a:endParaRPr sz="1200"/>
-                    </a:p>
-                    <a:p>
-                      <a:pPr indent="-304800" lvl="1" marL="914400" marR="0" rtl="0" algn="l">
-                        <a:lnSpc>
-                          <a:spcPct val="100000"/>
-                        </a:lnSpc>
-                        <a:spcBef>
-                          <a:spcPts val="0"/>
-                        </a:spcBef>
-                        <a:spcAft>
-                          <a:spcPts val="0"/>
-                        </a:spcAft>
-                        <a:buSzPts val="1200"/>
-                        <a:buChar char="○"/>
-                      </a:pPr>
-                      <a:r>
-                        <a:rPr lang="es-419" sz="1200"/>
-                        <a:t>File</a:t>
-                      </a:r>
-                      <a:endParaRPr sz="1200"/>
-                    </a:p>
-                    <a:p>
-                      <a:pPr indent="-304800" lvl="1" marL="914400" marR="0" rtl="0" algn="l">
-                        <a:lnSpc>
-                          <a:spcPct val="100000"/>
-                        </a:lnSpc>
-                        <a:spcBef>
-                          <a:spcPts val="0"/>
-                        </a:spcBef>
-                        <a:spcAft>
-                          <a:spcPts val="0"/>
-                        </a:spcAft>
-                        <a:buSzPts val="1200"/>
-                        <a:buChar char="○"/>
-                      </a:pPr>
-                      <a:r>
-                        <a:rPr lang="es-419" sz="1200"/>
-                        <a:t>Date</a:t>
-                      </a:r>
-                      <a:endParaRPr sz="1200"/>
-                    </a:p>
-                    <a:p>
-                      <a:pPr indent="-304800" lvl="1" marL="914400" marR="0" rtl="0" algn="l">
-                        <a:lnSpc>
-                          <a:spcPct val="100000"/>
-                        </a:lnSpc>
-                        <a:spcBef>
-                          <a:spcPts val="0"/>
-                        </a:spcBef>
-                        <a:spcAft>
-                          <a:spcPts val="0"/>
-                        </a:spcAft>
-                        <a:buSzPts val="1200"/>
-                        <a:buChar char="○"/>
-                      </a:pPr>
-                      <a:r>
-                        <a:rPr lang="es-419" sz="1200"/>
-                        <a:t>etc, etc, etc</a:t>
-                      </a:r>
-                      <a:endParaRPr sz="1200"/>
-                    </a:p>
-                    <a:p>
-                      <a:pPr indent="-304800" lvl="0" marL="457200" marR="0" rtl="0" algn="l">
-                        <a:lnSpc>
-                          <a:spcPct val="100000"/>
-                        </a:lnSpc>
-                        <a:spcBef>
-                          <a:spcPts val="0"/>
-                        </a:spcBef>
-                        <a:spcAft>
-                          <a:spcPts val="0"/>
-                        </a:spcAft>
-                        <a:buSzPts val="1200"/>
-                        <a:buChar char="●"/>
-                      </a:pPr>
-                      <a:r>
-                        <a:rPr lang="es-419" sz="1200"/>
-                        <a:t>Tipos interfaces</a:t>
-                      </a:r>
-                      <a:endParaRPr sz="1200"/>
-                    </a:p>
-                    <a:p>
-                      <a:pPr indent="-304800" lvl="0" marL="457200" marR="0" rtl="0" algn="l">
-                        <a:lnSpc>
-                          <a:spcPct val="100000"/>
-                        </a:lnSpc>
-                        <a:spcBef>
-                          <a:spcPts val="0"/>
-                        </a:spcBef>
-                        <a:spcAft>
-                          <a:spcPts val="0"/>
-                        </a:spcAft>
-                        <a:buSzPts val="1200"/>
-                        <a:buChar char="●"/>
-                      </a:pPr>
-                      <a:r>
-                        <a:rPr lang="es-419" sz="1200"/>
-                        <a:t>Tipos Arrays</a:t>
-                      </a:r>
-                      <a:endParaRPr sz="1200"/>
-                    </a:p>
-                    <a:p>
-                      <a:pPr indent="0" lvl="0" marL="0" marR="0" rtl="0" algn="l">
-                        <a:lnSpc>
-                          <a:spcPct val="100000"/>
-                        </a:lnSpc>
-                        <a:spcBef>
-                          <a:spcPts val="0"/>
-                        </a:spcBef>
-                        <a:spcAft>
-                          <a:spcPts val="0"/>
-                        </a:spcAft>
-                        <a:buNone/>
-                      </a:pPr>
-                      <a:r>
-                        <a:t/>
-                      </a:r>
-                      <a:endParaRPr sz="1200"/>
-                    </a:p>
-                    <a:p>
-                      <a:pPr indent="0" lvl="0" marL="0" marR="0" rtl="0" algn="l">
-                        <a:lnSpc>
-                          <a:spcPct val="100000"/>
-                        </a:lnSpc>
-                        <a:spcBef>
-                          <a:spcPts val="0"/>
-                        </a:spcBef>
-                        <a:spcAft>
-                          <a:spcPts val="0"/>
-                        </a:spcAft>
-                        <a:buClr>
-                          <a:srgbClr val="000000"/>
-                        </a:buClr>
-                        <a:buSzPts val="1400"/>
-                        <a:buFont typeface="Arial"/>
-                        <a:buNone/>
-                      </a:pPr>
-                      <a:r>
-                        <a:t/>
-                      </a:r>
-                      <a:endParaRPr sz="1400" u="none" cap="none" strike="noStrike"/>
-                    </a:p>
-                  </a:txBody>
-                  <a:tcPr marT="91425" marB="91425" marR="91425" marL="91425">
-                    <a:lnL cap="flat" cmpd="sng" w="9525">
-                      <a:solidFill>
-                        <a:srgbClr val="9E9E9E"/>
-                      </a:solidFill>
-                      <a:prstDash val="solid"/>
-                      <a:round/>
-                      <a:headEnd len="sm" w="sm" type="none"/>
-                      <a:tailEnd len="sm" w="sm" type="none"/>
-                    </a:lnL>
-                    <a:lnR cap="flat" cmpd="sng" w="9525">
-                      <a:solidFill>
-                        <a:srgbClr val="9E9E9E"/>
-                      </a:solidFill>
-                      <a:prstDash val="solid"/>
-                      <a:round/>
-                      <a:headEnd len="sm" w="sm" type="none"/>
-                      <a:tailEnd len="sm" w="sm" type="none"/>
-                    </a:lnR>
-                    <a:lnT cap="flat" cmpd="sng" w="9525">
-                      <a:solidFill>
-                        <a:srgbClr val="9E9E9E"/>
-                      </a:solidFill>
-                      <a:prstDash val="solid"/>
-                      <a:round/>
-                      <a:headEnd len="sm" w="sm" type="none"/>
-                      <a:tailEnd len="sm" w="sm" type="none"/>
-                    </a:lnT>
-                    <a:lnB cap="flat" cmpd="sng" w="9525">
-                      <a:solidFill>
-                        <a:srgbClr val="9E9E9E"/>
-                      </a:solidFill>
-                      <a:prstDash val="solid"/>
-                      <a:round/>
-                      <a:headEnd len="sm" w="sm" type="none"/>
-                      <a:tailEnd len="sm" w="sm" type="none"/>
-                    </a:lnB>
-                  </a:tcPr>
-                </a:tc>
-              </a:tr>
-            </a:tbl>
-          </a:graphicData>
-        </a:graphic>
-      </p:graphicFrame>
+      <p:sp>
+        <p:nvSpPr>
+          <p:cNvPr id="93" name="Google Shape;93;p18"/>
+          <p:cNvSpPr txBox="1"/>
+          <p:nvPr>
+            <p:ph idx="1" type="body"/>
+          </p:nvPr>
+        </p:nvSpPr>
+        <p:spPr>
+          <a:xfrm>
+            <a:off x="311700" y="1152475"/>
+            <a:ext cx="8520600" cy="3416400"/>
+          </a:xfrm>
+          <a:prstGeom prst="rect">
+            <a:avLst/>
+          </a:prstGeom>
+        </p:spPr>
+        <p:txBody>
+          <a:bodyPr anchorCtr="0" anchor="t" bIns="91425" lIns="91425" spcFirstLastPara="1" rIns="91425" wrap="square" tIns="91425">
+            <a:noAutofit/>
+          </a:bodyPr>
+          <a:lstStyle/>
+          <a:p>
+            <a:pPr indent="-342900" lvl="0" marL="457200" rtl="0" algn="l">
+              <a:spcBef>
+                <a:spcPts val="0"/>
+              </a:spcBef>
+              <a:spcAft>
+                <a:spcPts val="0"/>
+              </a:spcAft>
+              <a:buSzPts val="1800"/>
+              <a:buChar char="●"/>
+            </a:pPr>
+            <a:r>
+              <a:rPr lang="es-419"/>
+              <a:t>Representación en Ejemplos de expresiones aritmético lógicas</a:t>
+            </a:r>
+            <a:endParaRPr/>
+          </a:p>
+          <a:p>
+            <a:pPr indent="-342900" lvl="1" marL="914400" rtl="0" algn="l">
+              <a:spcBef>
+                <a:spcPts val="0"/>
+              </a:spcBef>
+              <a:spcAft>
+                <a:spcPts val="0"/>
+              </a:spcAft>
+              <a:buSzPts val="1800"/>
+              <a:buChar char="○"/>
+            </a:pPr>
+            <a:r>
+              <a:rPr lang="es-419" sz="1800"/>
+              <a:t>Declarar variables</a:t>
+            </a:r>
+            <a:endParaRPr sz="1800"/>
+          </a:p>
+          <a:p>
+            <a:pPr indent="-342900" lvl="1" marL="914400" rtl="0" algn="l">
+              <a:spcBef>
+                <a:spcPts val="0"/>
+              </a:spcBef>
+              <a:spcAft>
+                <a:spcPts val="0"/>
+              </a:spcAft>
+              <a:buSzPts val="1800"/>
+              <a:buChar char="○"/>
+            </a:pPr>
+            <a:r>
+              <a:rPr lang="es-419" sz="1800"/>
+              <a:t>Literales para los distintos tipos de datos</a:t>
+            </a:r>
+            <a:endParaRPr sz="1800"/>
+          </a:p>
+          <a:p>
+            <a:pPr indent="-342900" lvl="1" marL="914400" rtl="0" algn="l">
+              <a:spcBef>
+                <a:spcPts val="0"/>
+              </a:spcBef>
+              <a:spcAft>
+                <a:spcPts val="0"/>
+              </a:spcAft>
+              <a:buSzPts val="1800"/>
+              <a:buChar char="○"/>
+            </a:pPr>
+            <a:r>
+              <a:rPr lang="es-419" sz="1800"/>
+              <a:t>Uso de la biblioteca java.Math para operaciones matemáticas</a:t>
+            </a:r>
+            <a:endParaRPr sz="1800"/>
+          </a:p>
+          <a:p>
+            <a:pPr indent="-342900" lvl="1" marL="914400" rtl="0" algn="l">
+              <a:spcBef>
+                <a:spcPts val="0"/>
+              </a:spcBef>
+              <a:spcAft>
+                <a:spcPts val="0"/>
+              </a:spcAft>
+              <a:buSzPts val="1800"/>
+              <a:buChar char="○"/>
+            </a:pPr>
+            <a:r>
+              <a:rPr lang="es-419" sz="1800"/>
+              <a:t>Uso de clases Java para solicitar entrada por teclado</a:t>
+            </a:r>
+            <a:endParaRPr sz="1800"/>
+          </a:p>
+          <a:p>
+            <a:pPr indent="-342900" lvl="1" marL="914400" rtl="0" algn="l">
+              <a:spcBef>
+                <a:spcPts val="0"/>
+              </a:spcBef>
+              <a:spcAft>
+                <a:spcPts val="0"/>
+              </a:spcAft>
+              <a:buSzPts val="1800"/>
+              <a:buChar char="○"/>
+            </a:pPr>
+            <a:r>
+              <a:rPr lang="es-419" sz="1800"/>
+              <a:t>Imprimir resultado</a:t>
+            </a:r>
+            <a:endParaRPr sz="1800"/>
+          </a:p>
+          <a:p>
+            <a:pPr indent="0" lvl="0" marL="0" rtl="0" algn="l">
+              <a:spcBef>
+                <a:spcPts val="1200"/>
+              </a:spcBef>
+              <a:spcAft>
+                <a:spcPts val="1200"/>
+              </a:spcAft>
+              <a:buNone/>
+            </a:pPr>
+            <a:r>
+              <a:t/>
+            </a:r>
+            <a:endParaRPr/>
+          </a:p>
+        </p:txBody>
+      </p:sp>
     </p:spTree>
   </p:cSld>
   <p:clrMapOvr>
@@ -13101,12 +13761,12 @@
 </p:sld>
 </file>
 
-<file path=ppt/slides/slide6.xml><?xml version="1.0" encoding="utf-8"?>
+<file path=ppt/slides/slide7.xml><?xml version="1.0" encoding="utf-8"?>
 <p:sld xmlns:a="http://schemas.openxmlformats.org/drawingml/2006/main" xmlns:r="http://schemas.openxmlformats.org/officeDocument/2006/relationships" xmlns:mc="http://schemas.openxmlformats.org/markup-compatibility/2006" xmlns:mv="urn:schemas-microsoft-com:mac:vml" xmlns:p="http://schemas.openxmlformats.org/presentationml/2006/main" xmlns:c="http://schemas.openxmlformats.org/drawingml/2006/chart" xmlns:dgm="http://schemas.openxmlformats.org/drawingml/2006/diagram" xmlns:o="urn:schemas-microsoft-com:office:office" xmlns:v="urn:schemas-microsoft-com:vml" xmlns:pvml="urn:schemas-microsoft-com:office:powerpoint" xmlns:com="http://schemas.openxmlformats.org/drawingml/2006/compatibility" xmlns:p14="http://schemas.microsoft.com/office/powerpoint/2010/main" xmlns:p15="http://schemas.microsoft.com/office/powerpoint/2012/main" xmlns:ahyp="http://schemas.microsoft.com/office/drawing/2018/hyperlinkcolor">
   <p:cSld>
     <p:spTree>
       <p:nvGrpSpPr>
-        <p:cNvPr id="87" name="Shape 87"/>
+        <p:cNvPr id="97" name="Shape 97"/>
         <p:cNvGrpSpPr/>
         <p:nvPr/>
       </p:nvGrpSpPr>
@@ -13120,7 +13780,7 @@
       </p:grpSpPr>
       <p:sp>
         <p:nvSpPr>
-          <p:cNvPr id="88" name="Google Shape;88;p18"/>
+          <p:cNvPr id="98" name="Google Shape;98;p19"/>
           <p:cNvSpPr txBox="1"/>
           <p:nvPr>
             <p:ph type="title"/>
@@ -13160,213 +13820,7 @@
       </p:sp>
       <p:sp>
         <p:nvSpPr>
-          <p:cNvPr id="89" name="Google Shape;89;p18"/>
-          <p:cNvSpPr txBox="1"/>
-          <p:nvPr>
-            <p:ph idx="1" type="body"/>
-          </p:nvPr>
-        </p:nvSpPr>
-        <p:spPr>
-          <a:xfrm>
-            <a:off x="311700" y="1152475"/>
-            <a:ext cx="8520600" cy="3416400"/>
-          </a:xfrm>
-          <a:prstGeom prst="rect">
-            <a:avLst/>
-          </a:prstGeom>
-        </p:spPr>
-        <p:txBody>
-          <a:bodyPr anchorCtr="0" anchor="t" bIns="91425" lIns="91425" spcFirstLastPara="1" rIns="91425" wrap="square" tIns="91425">
-            <a:noAutofit/>
-          </a:bodyPr>
-          <a:lstStyle/>
-          <a:p>
-            <a:pPr indent="-342900" lvl="0" marL="457200" rtl="0" algn="l">
-              <a:spcBef>
-                <a:spcPts val="0"/>
-              </a:spcBef>
-              <a:spcAft>
-                <a:spcPts val="0"/>
-              </a:spcAft>
-              <a:buSzPts val="1800"/>
-              <a:buChar char="●"/>
-            </a:pPr>
-            <a:r>
-              <a:rPr lang="es-419"/>
-              <a:t>Representación en Ejemplos de expresiones aritmético lógicas</a:t>
-            </a:r>
-            <a:endParaRPr/>
-          </a:p>
-          <a:p>
-            <a:pPr indent="-342900" lvl="1" marL="914400" rtl="0" algn="l">
-              <a:spcBef>
-                <a:spcPts val="0"/>
-              </a:spcBef>
-              <a:spcAft>
-                <a:spcPts val="0"/>
-              </a:spcAft>
-              <a:buSzPts val="1800"/>
-              <a:buChar char="○"/>
-            </a:pPr>
-            <a:r>
-              <a:rPr lang="es-419" sz="1800"/>
-              <a:t>Declarar variables</a:t>
-            </a:r>
-            <a:endParaRPr sz="1800"/>
-          </a:p>
-          <a:p>
-            <a:pPr indent="-342900" lvl="1" marL="914400" rtl="0" algn="l">
-              <a:spcBef>
-                <a:spcPts val="0"/>
-              </a:spcBef>
-              <a:spcAft>
-                <a:spcPts val="0"/>
-              </a:spcAft>
-              <a:buSzPts val="1800"/>
-              <a:buChar char="○"/>
-            </a:pPr>
-            <a:r>
-              <a:rPr lang="es-419" sz="1800"/>
-              <a:t>Literales para los distintos tipos de datos</a:t>
-            </a:r>
-            <a:endParaRPr sz="1800"/>
-          </a:p>
-          <a:p>
-            <a:pPr indent="-342900" lvl="1" marL="914400" rtl="0" algn="l">
-              <a:spcBef>
-                <a:spcPts val="0"/>
-              </a:spcBef>
-              <a:spcAft>
-                <a:spcPts val="0"/>
-              </a:spcAft>
-              <a:buSzPts val="1800"/>
-              <a:buChar char="○"/>
-            </a:pPr>
-            <a:r>
-              <a:rPr lang="es-419" sz="1800"/>
-              <a:t>Uso de la biblioteca java.Math para operaciones matemáticas</a:t>
-            </a:r>
-            <a:endParaRPr sz="1800"/>
-          </a:p>
-          <a:p>
-            <a:pPr indent="-342900" lvl="1" marL="914400" rtl="0" algn="l">
-              <a:spcBef>
-                <a:spcPts val="0"/>
-              </a:spcBef>
-              <a:spcAft>
-                <a:spcPts val="0"/>
-              </a:spcAft>
-              <a:buSzPts val="1800"/>
-              <a:buChar char="○"/>
-            </a:pPr>
-            <a:r>
-              <a:rPr lang="es-419" sz="1800"/>
-              <a:t>Uso de clases Java para solicitar entrada por teclado</a:t>
-            </a:r>
-            <a:endParaRPr sz="1800"/>
-          </a:p>
-          <a:p>
-            <a:pPr indent="-342900" lvl="1" marL="914400" rtl="0" algn="l">
-              <a:spcBef>
-                <a:spcPts val="0"/>
-              </a:spcBef>
-              <a:spcAft>
-                <a:spcPts val="0"/>
-              </a:spcAft>
-              <a:buSzPts val="1800"/>
-              <a:buChar char="○"/>
-            </a:pPr>
-            <a:r>
-              <a:rPr lang="es-419" sz="1800"/>
-              <a:t>Imprimir resultado</a:t>
-            </a:r>
-            <a:endParaRPr sz="1800"/>
-          </a:p>
-          <a:p>
-            <a:pPr indent="0" lvl="0" marL="0" rtl="0" algn="l">
-              <a:spcBef>
-                <a:spcPts val="1200"/>
-              </a:spcBef>
-              <a:spcAft>
-                <a:spcPts val="1200"/>
-              </a:spcAft>
-              <a:buNone/>
-            </a:pPr>
-            <a:r>
-              <a:t/>
-            </a:r>
-            <a:endParaRPr/>
-          </a:p>
-        </p:txBody>
-      </p:sp>
-    </p:spTree>
-  </p:cSld>
-  <p:clrMapOvr>
-    <a:masterClrMapping/>
-  </p:clrMapOvr>
-</p:sld>
-</file>
-
-<file path=ppt/slides/slide7.xml><?xml version="1.0" encoding="utf-8"?>
-<p:sld xmlns:a="http://schemas.openxmlformats.org/drawingml/2006/main" xmlns:r="http://schemas.openxmlformats.org/officeDocument/2006/relationships" xmlns:mc="http://schemas.openxmlformats.org/markup-compatibility/2006" xmlns:mv="urn:schemas-microsoft-com:mac:vml" xmlns:p="http://schemas.openxmlformats.org/presentationml/2006/main" xmlns:c="http://schemas.openxmlformats.org/drawingml/2006/chart" xmlns:dgm="http://schemas.openxmlformats.org/drawingml/2006/diagram" xmlns:o="urn:schemas-microsoft-com:office:office" xmlns:v="urn:schemas-microsoft-com:vml" xmlns:pvml="urn:schemas-microsoft-com:office:powerpoint" xmlns:com="http://schemas.openxmlformats.org/drawingml/2006/compatibility" xmlns:p14="http://schemas.microsoft.com/office/powerpoint/2010/main" xmlns:p15="http://schemas.microsoft.com/office/powerpoint/2012/main" xmlns:ahyp="http://schemas.microsoft.com/office/drawing/2018/hyperlinkcolor">
-  <p:cSld>
-    <p:spTree>
-      <p:nvGrpSpPr>
-        <p:cNvPr id="93" name="Shape 93"/>
-        <p:cNvGrpSpPr/>
-        <p:nvPr/>
-      </p:nvGrpSpPr>
-      <p:grpSpPr>
-        <a:xfrm>
-          <a:off x="0" y="0"/>
-          <a:ext cx="0" cy="0"/>
-          <a:chOff x="0" y="0"/>
-          <a:chExt cx="0" cy="0"/>
-        </a:xfrm>
-      </p:grpSpPr>
-      <p:sp>
-        <p:nvSpPr>
-          <p:cNvPr id="94" name="Google Shape;94;p19"/>
-          <p:cNvSpPr txBox="1"/>
-          <p:nvPr>
-            <p:ph type="title"/>
-          </p:nvPr>
-        </p:nvSpPr>
-        <p:spPr>
-          <a:xfrm>
-            <a:off x="311700" y="445025"/>
-            <a:ext cx="8520600" cy="572700"/>
-          </a:xfrm>
-          <a:prstGeom prst="rect">
-            <a:avLst/>
-          </a:prstGeom>
-        </p:spPr>
-        <p:txBody>
-          <a:bodyPr anchorCtr="0" anchor="t" bIns="91425" lIns="91425" spcFirstLastPara="1" rIns="91425" wrap="square" tIns="91425">
-            <a:noAutofit/>
-          </a:bodyPr>
-          <a:lstStyle/>
-          <a:p>
-            <a:pPr indent="0" lvl="0" marL="0" rtl="0" algn="l">
-              <a:spcBef>
-                <a:spcPts val="0"/>
-              </a:spcBef>
-              <a:spcAft>
-                <a:spcPts val="0"/>
-              </a:spcAft>
-              <a:buNone/>
-            </a:pPr>
-            <a:r>
-              <a:rPr lang="es-419"/>
-              <a:t>Expresiones aritmético lógicas</a:t>
-            </a:r>
-            <a:endParaRPr/>
-          </a:p>
-        </p:txBody>
-      </p:sp>
-      <p:sp>
-        <p:nvSpPr>
-          <p:cNvPr id="95" name="Google Shape;95;p19"/>
+          <p:cNvPr id="99" name="Google Shape;99;p19"/>
           <p:cNvSpPr txBox="1"/>
           <p:nvPr/>
         </p:nvSpPr>
@@ -13424,7 +13878,7 @@
       </p:sp>
       <p:sp>
         <p:nvSpPr>
-          <p:cNvPr id="96" name="Google Shape;96;p19"/>
+          <p:cNvPr id="100" name="Google Shape;100;p19"/>
           <p:cNvSpPr txBox="1"/>
           <p:nvPr>
             <p:ph idx="1" type="body"/>
@@ -13594,7 +14048,7 @@
   <p:cSld>
     <p:spTree>
       <p:nvGrpSpPr>
-        <p:cNvPr id="100" name="Shape 100"/>
+        <p:cNvPr id="104" name="Shape 104"/>
         <p:cNvGrpSpPr/>
         <p:nvPr/>
       </p:nvGrpSpPr>
@@ -13608,7 +14062,7 @@
       </p:grpSpPr>
       <p:sp>
         <p:nvSpPr>
-          <p:cNvPr id="101" name="Google Shape;101;p20"/>
+          <p:cNvPr id="105" name="Google Shape;105;p20"/>
           <p:cNvSpPr txBox="1"/>
           <p:nvPr>
             <p:ph type="title"/>
@@ -13659,7 +14113,7 @@
   <p:cSld>
     <p:spTree>
       <p:nvGrpSpPr>
-        <p:cNvPr id="105" name="Shape 105"/>
+        <p:cNvPr id="109" name="Shape 109"/>
         <p:cNvGrpSpPr/>
         <p:nvPr/>
       </p:nvGrpSpPr>
@@ -13673,7 +14127,7 @@
       </p:grpSpPr>
       <p:sp>
         <p:nvSpPr>
-          <p:cNvPr id="106" name="Google Shape;106;p21"/>
+          <p:cNvPr id="110" name="Google Shape;110;p21"/>
           <p:cNvSpPr txBox="1"/>
           <p:nvPr>
             <p:ph type="title"/>
@@ -13713,7 +14167,7 @@
       </p:sp>
       <p:sp>
         <p:nvSpPr>
-          <p:cNvPr id="107" name="Google Shape;107;p21"/>
+          <p:cNvPr id="111" name="Google Shape;111;p21"/>
           <p:cNvSpPr txBox="1"/>
           <p:nvPr>
             <p:ph idx="1" type="body"/>
@@ -13742,7 +14196,7 @@
                 <a:spcPts val="0"/>
               </a:spcAft>
               <a:buSzPts val="1800"/>
-              <a:buChar char="●"/>
+              <a:buAutoNum type="arabicPeriod"/>
             </a:pPr>
             <a:r>
               <a:rPr lang="es-419"/>
@@ -13751,55 +14205,55 @@
             <a:endParaRPr/>
           </a:p>
           <a:p>
-            <a:pPr indent="-330200" lvl="1" marL="914400" rtl="0" algn="l">
-              <a:spcBef>
-                <a:spcPts val="0"/>
-              </a:spcBef>
-              <a:spcAft>
-                <a:spcPts val="0"/>
-              </a:spcAft>
-              <a:buSzPts val="1600"/>
+            <a:pPr indent="-342900" lvl="1" marL="914400" rtl="0" algn="l">
+              <a:spcBef>
+                <a:spcPts val="0"/>
+              </a:spcBef>
+              <a:spcAft>
+                <a:spcPts val="0"/>
+              </a:spcAft>
+              <a:buSzPts val="1800"/>
               <a:buChar char="○"/>
             </a:pPr>
             <a:r>
-              <a:rPr lang="es-419"/>
+              <a:rPr lang="es-419" sz="1800"/>
               <a:t>Centímetros a pulgadas y viceversa</a:t>
             </a:r>
-            <a:endParaRPr/>
+            <a:endParaRPr sz="1800"/>
           </a:p>
           <a:p>
-            <a:pPr indent="-330200" lvl="1" marL="914400" rtl="0" algn="l">
-              <a:spcBef>
-                <a:spcPts val="0"/>
-              </a:spcBef>
-              <a:spcAft>
-                <a:spcPts val="0"/>
-              </a:spcAft>
-              <a:buSzPts val="1600"/>
+            <a:pPr indent="-342900" lvl="1" marL="914400" rtl="0" algn="l">
+              <a:spcBef>
+                <a:spcPts val="0"/>
+              </a:spcBef>
+              <a:spcAft>
+                <a:spcPts val="0"/>
+              </a:spcAft>
+              <a:buSzPts val="1800"/>
               <a:buChar char="○"/>
             </a:pPr>
             <a:r>
-              <a:rPr lang="es-419"/>
+              <a:rPr lang="es-419" sz="1800"/>
               <a:t>Celsius a Farenheit y viceversa</a:t>
             </a:r>
-            <a:endParaRPr/>
+            <a:endParaRPr sz="1800"/>
           </a:p>
           <a:p>
-            <a:pPr indent="-330200" lvl="1" marL="914400" rtl="0" algn="l">
-              <a:spcBef>
-                <a:spcPts val="0"/>
-              </a:spcBef>
-              <a:spcAft>
-                <a:spcPts val="0"/>
-              </a:spcAft>
-              <a:buSzPts val="1600"/>
+            <a:pPr indent="-342900" lvl="1" marL="914400" rtl="0" algn="l">
+              <a:spcBef>
+                <a:spcPts val="0"/>
+              </a:spcBef>
+              <a:spcAft>
+                <a:spcPts val="0"/>
+              </a:spcAft>
+              <a:buSzPts val="1800"/>
               <a:buChar char="○"/>
             </a:pPr>
             <a:r>
-              <a:rPr lang="es-419"/>
+              <a:rPr lang="es-419" sz="1800"/>
               <a:t>Tiempo en número decimal a horas, minutos, segundos y viceversa</a:t>
             </a:r>
-            <a:endParaRPr/>
+            <a:endParaRPr sz="1800"/>
           </a:p>
           <a:p>
             <a:pPr indent="-342900" lvl="0" marL="457200" rtl="0" algn="l">
@@ -13810,7 +14264,7 @@
                 <a:spcPts val="0"/>
               </a:spcAft>
               <a:buSzPts val="1800"/>
-              <a:buChar char="●"/>
+              <a:buAutoNum type="arabicPeriod"/>
             </a:pPr>
             <a:r>
               <a:rPr lang="es-419"/>
@@ -13819,55 +14273,55 @@
             <a:endParaRPr/>
           </a:p>
           <a:p>
-            <a:pPr indent="-330200" lvl="1" marL="914400" rtl="0" algn="l">
-              <a:spcBef>
-                <a:spcPts val="0"/>
-              </a:spcBef>
-              <a:spcAft>
-                <a:spcPts val="0"/>
-              </a:spcAft>
-              <a:buSzPts val="1600"/>
+            <a:pPr indent="-342900" lvl="1" marL="914400" rtl="0" algn="l">
+              <a:spcBef>
+                <a:spcPts val="0"/>
+              </a:spcBef>
+              <a:spcAft>
+                <a:spcPts val="0"/>
+              </a:spcAft>
+              <a:buSzPts val="1800"/>
               <a:buChar char="○"/>
             </a:pPr>
             <a:r>
-              <a:rPr lang="es-419"/>
+              <a:rPr lang="es-419" sz="1800"/>
               <a:t>Media Aritmética y geométrica de 5 números</a:t>
             </a:r>
-            <a:endParaRPr/>
+            <a:endParaRPr sz="1800"/>
           </a:p>
           <a:p>
-            <a:pPr indent="-330200" lvl="1" marL="914400" rtl="0" algn="l">
-              <a:spcBef>
-                <a:spcPts val="0"/>
-              </a:spcBef>
-              <a:spcAft>
-                <a:spcPts val="0"/>
-              </a:spcAft>
-              <a:buSzPts val="1600"/>
+            <a:pPr indent="-342900" lvl="1" marL="914400" rtl="0" algn="l">
+              <a:spcBef>
+                <a:spcPts val="0"/>
+              </a:spcBef>
+              <a:spcAft>
+                <a:spcPts val="0"/>
+              </a:spcAft>
+              <a:buSzPts val="1800"/>
               <a:buChar char="○"/>
             </a:pPr>
             <a:r>
-              <a:rPr lang="es-419"/>
+              <a:rPr lang="es-419" sz="1800"/>
               <a:t>Máximo y mínimo de 6 números</a:t>
             </a:r>
-            <a:endParaRPr/>
+            <a:endParaRPr sz="1800"/>
           </a:p>
           <a:p>
-            <a:pPr indent="-330200" lvl="1" marL="914400" rtl="0" algn="l">
-              <a:spcBef>
-                <a:spcPts val="0"/>
-              </a:spcBef>
-              <a:spcAft>
-                <a:spcPts val="0"/>
-              </a:spcAft>
-              <a:buSzPts val="1600"/>
+            <a:pPr indent="-342900" lvl="1" marL="914400" rtl="0" algn="l">
+              <a:spcBef>
+                <a:spcPts val="0"/>
+              </a:spcBef>
+              <a:spcAft>
+                <a:spcPts val="0"/>
+              </a:spcAft>
+              <a:buSzPts val="1800"/>
               <a:buChar char="○"/>
             </a:pPr>
             <a:r>
-              <a:rPr lang="es-419"/>
+              <a:rPr lang="es-419" sz="1800"/>
               <a:t>Índice de masa corporal</a:t>
             </a:r>
-            <a:endParaRPr/>
+            <a:endParaRPr sz="1800"/>
           </a:p>
           <a:p>
             <a:pPr indent="-342900" lvl="0" marL="457200" rtl="0" algn="l">
@@ -13878,7 +14332,7 @@
                 <a:spcPts val="0"/>
               </a:spcAft>
               <a:buSzPts val="1800"/>
-              <a:buChar char="●"/>
+              <a:buAutoNum type="arabicPeriod"/>
             </a:pPr>
             <a:r>
               <a:rPr lang="es-419"/>
@@ -13891,21 +14345,21 @@
             <a:endParaRPr/>
           </a:p>
           <a:p>
-            <a:pPr indent="-330200" lvl="1" marL="914400" rtl="0" algn="l">
-              <a:spcBef>
-                <a:spcPts val="0"/>
-              </a:spcBef>
-              <a:spcAft>
-                <a:spcPts val="0"/>
-              </a:spcAft>
-              <a:buSzPts val="1600"/>
+            <a:pPr indent="-342900" lvl="1" marL="914400" rtl="0" algn="l">
+              <a:spcBef>
+                <a:spcPts val="0"/>
+              </a:spcBef>
+              <a:spcAft>
+                <a:spcPts val="0"/>
+              </a:spcAft>
+              <a:buSzPts val="1800"/>
               <a:buChar char="○"/>
             </a:pPr>
             <a:r>
-              <a:rPr lang="es-419"/>
+              <a:rPr lang="es-419" sz="1800"/>
               <a:t>Simular el lanzamiento de 3 dados con valores aleatorios del 1 al 6</a:t>
             </a:r>
-            <a:endParaRPr/>
+            <a:endParaRPr sz="1800"/>
           </a:p>
           <a:p>
             <a:pPr indent="0" lvl="0" marL="0" rtl="0" algn="l">
